--- a/ppt.pptx
+++ b/ppt.pptx
@@ -23,12 +23,19 @@
   <p:notesSz cx="8229600" cy="14630400"/>
   <p:embeddedFontLst>
     <p:embeddedFont>
+      <p:font typeface="Calibri" panose="020F0502020204030204" pitchFamily="34" charset="0"/>
+      <p:regular r:id="rId13"/>
+      <p:bold r:id="rId14"/>
+      <p:italic r:id="rId15"/>
+      <p:boldItalic r:id="rId16"/>
+    </p:embeddedFont>
+    <p:embeddedFont>
       <p:font typeface="Lora" pitchFamily="2" charset="0"/>
-      <p:regular r:id="rId13"/>
+      <p:regular r:id="rId17"/>
     </p:embeddedFont>
     <p:embeddedFont>
       <p:font typeface="Source Sans Pro" panose="020B0503030403020204" pitchFamily="34" charset="0"/>
-      <p:regular r:id="rId14"/>
+      <p:regular r:id="rId18"/>
     </p:embeddedFont>
   </p:embeddedFontLst>
   <p:defaultTextStyle>
@@ -5048,7 +5055,7 @@
         </p:nvSpPr>
         <p:spPr>
           <a:xfrm>
-            <a:off x="7999690" y="2779276"/>
+            <a:off x="7999690" y="2680097"/>
             <a:ext cx="5792986" cy="766048"/>
           </a:xfrm>
           <a:prstGeom prst="rect">
@@ -5076,7 +5083,122 @@
                 <a:ea typeface="Source Sans Pro" pitchFamily="34" charset="-122"/>
                 <a:cs typeface="Source Sans Pro" pitchFamily="34" charset="-120"/>
               </a:rPr>
-              <a:t>Xe vào bãi: Kiểm tra khoảng cách, chọn ô trống, chụp ảnh xe, mở cổng.</a:t>
+              <a:t>Xe vào bãi: Kiểm tra khoảng cách, chọn ô trống, chụp </a:t>
+            </a:r>
+            <a:r>
+              <a:rPr lang="en-US" sz="1850" dirty="0" err="1">
+                <a:solidFill>
+                  <a:srgbClr val="3A3630"/>
+                </a:solidFill>
+                <a:latin typeface="Source Sans Pro" pitchFamily="34" charset="0"/>
+                <a:ea typeface="Source Sans Pro" pitchFamily="34" charset="-122"/>
+                <a:cs typeface="Source Sans Pro" pitchFamily="34" charset="-120"/>
+              </a:rPr>
+              <a:t>ảnh</a:t>
+            </a:r>
+            <a:r>
+              <a:rPr lang="en-US" sz="1850" dirty="0">
+                <a:solidFill>
+                  <a:srgbClr val="3A3630"/>
+                </a:solidFill>
+                <a:latin typeface="Source Sans Pro" pitchFamily="34" charset="0"/>
+                <a:ea typeface="Source Sans Pro" pitchFamily="34" charset="-122"/>
+                <a:cs typeface="Source Sans Pro" pitchFamily="34" charset="-120"/>
+              </a:rPr>
+              <a:t> </a:t>
+            </a:r>
+            <a:r>
+              <a:rPr lang="vi-VN" sz="1850" dirty="0">
+                <a:solidFill>
+                  <a:srgbClr val="3A3630"/>
+                </a:solidFill>
+                <a:latin typeface="Source Sans Pro" pitchFamily="34" charset="0"/>
+                <a:ea typeface="Source Sans Pro" pitchFamily="34" charset="-122"/>
+                <a:cs typeface="Source Sans Pro" pitchFamily="34" charset="-120"/>
+              </a:rPr>
+              <a:t>xe, biển số</a:t>
+            </a:r>
+            <a:r>
+              <a:rPr lang="en-US" sz="1850" dirty="0">
+                <a:solidFill>
+                  <a:srgbClr val="3A3630"/>
+                </a:solidFill>
+                <a:latin typeface="Source Sans Pro" pitchFamily="34" charset="0"/>
+                <a:ea typeface="Source Sans Pro" pitchFamily="34" charset="-122"/>
+                <a:cs typeface="Source Sans Pro" pitchFamily="34" charset="-120"/>
+              </a:rPr>
+              <a:t>, </a:t>
+            </a:r>
+            <a:r>
+              <a:rPr lang="en-US" sz="1850" dirty="0" err="1">
+                <a:solidFill>
+                  <a:srgbClr val="3A3630"/>
+                </a:solidFill>
+                <a:latin typeface="Source Sans Pro" pitchFamily="34" charset="0"/>
+                <a:ea typeface="Source Sans Pro" pitchFamily="34" charset="-122"/>
+                <a:cs typeface="Source Sans Pro" pitchFamily="34" charset="-120"/>
+              </a:rPr>
+              <a:t>mở</a:t>
+            </a:r>
+            <a:r>
+              <a:rPr lang="en-US" sz="1850" dirty="0">
+                <a:solidFill>
+                  <a:srgbClr val="3A3630"/>
+                </a:solidFill>
+                <a:latin typeface="Source Sans Pro" pitchFamily="34" charset="0"/>
+                <a:ea typeface="Source Sans Pro" pitchFamily="34" charset="-122"/>
+                <a:cs typeface="Source Sans Pro" pitchFamily="34" charset="-120"/>
+              </a:rPr>
+              <a:t> </a:t>
+            </a:r>
+            <a:r>
+              <a:rPr lang="vi-VN" sz="1850" dirty="0">
+                <a:solidFill>
+                  <a:srgbClr val="3A3630"/>
+                </a:solidFill>
+                <a:latin typeface="Source Sans Pro" pitchFamily="34" charset="0"/>
+                <a:ea typeface="Source Sans Pro" pitchFamily="34" charset="-122"/>
+                <a:cs typeface="Source Sans Pro" pitchFamily="34" charset="-120"/>
+              </a:rPr>
+              <a:t>cổng và mô phỏng xe vào bến bằng động cơ DC-</a:t>
+            </a:r>
+            <a:r>
+              <a:rPr lang="vi-VN" sz="1850" dirty="0" err="1">
+                <a:solidFill>
+                  <a:srgbClr val="3A3630"/>
+                </a:solidFill>
+                <a:latin typeface="Source Sans Pro" pitchFamily="34" charset="0"/>
+                <a:ea typeface="Source Sans Pro" pitchFamily="34" charset="-122"/>
+                <a:cs typeface="Source Sans Pro" pitchFamily="34" charset="-120"/>
+              </a:rPr>
+              <a:t>Motor</a:t>
+            </a:r>
+            <a:endParaRPr lang="vi-VN" sz="1850" dirty="0">
+              <a:solidFill>
+                <a:srgbClr val="3A3630"/>
+              </a:solidFill>
+              <a:latin typeface="Source Sans Pro" pitchFamily="34" charset="0"/>
+              <a:ea typeface="Source Sans Pro" pitchFamily="34" charset="-122"/>
+              <a:cs typeface="Source Sans Pro" pitchFamily="34" charset="-120"/>
+            </a:endParaRPr>
+          </a:p>
+          <a:p>
+            <a:pPr marL="0" indent="0" algn="l">
+              <a:lnSpc>
+                <a:spcPts val="3000"/>
+              </a:lnSpc>
+              <a:buNone/>
+            </a:pPr>
+            <a:r>
+              <a:rPr lang="vi-VN" sz="1850" dirty="0">
+                <a:solidFill>
+                  <a:srgbClr val="3A3630"/>
+                </a:solidFill>
+                <a:latin typeface="Source Sans Pro" pitchFamily="34" charset="0"/>
+                <a:ea typeface="Source Sans Pro" pitchFamily="34" charset="-122"/>
+                <a:cs typeface="Source Sans Pro" pitchFamily="34" charset="-120"/>
+              </a:rPr>
+              <a:t> </a:t>
             </a:r>
             <a:endParaRPr lang="en-US" sz="1850" dirty="0"/>
           </a:p>
@@ -5892,7 +6014,40 @@
                 <a:ea typeface="Source Sans Pro" pitchFamily="34" charset="-122"/>
                 <a:cs typeface="Source Sans Pro" pitchFamily="34" charset="-120"/>
               </a:rPr>
-              <a:t>Chụp ảnh xe vào/ra để quản lý an ninh.</a:t>
+              <a:t>Chụp ảnh xe vào/</a:t>
+            </a:r>
+            <a:r>
+              <a:rPr lang="en-US" sz="1850" dirty="0" err="1">
+                <a:solidFill>
+                  <a:srgbClr val="3A3630"/>
+                </a:solidFill>
+                <a:latin typeface="Source Sans Pro" pitchFamily="34" charset="0"/>
+                <a:ea typeface="Source Sans Pro" pitchFamily="34" charset="-122"/>
+                <a:cs typeface="Source Sans Pro" pitchFamily="34" charset="-120"/>
+              </a:rPr>
+              <a:t>ra</a:t>
+            </a:r>
+            <a:r>
+              <a:rPr lang="vi-VN" sz="1850" dirty="0">
+                <a:solidFill>
+                  <a:srgbClr val="3A3630"/>
+                </a:solidFill>
+                <a:latin typeface="Source Sans Pro" pitchFamily="34" charset="0"/>
+                <a:ea typeface="Source Sans Pro" pitchFamily="34" charset="-122"/>
+                <a:cs typeface="Source Sans Pro" pitchFamily="34" charset="-120"/>
+              </a:rPr>
+              <a:t> tự động</a:t>
+            </a:r>
+            <a:r>
+              <a:rPr lang="en-US" sz="1850" dirty="0">
+                <a:solidFill>
+                  <a:srgbClr val="3A3630"/>
+                </a:solidFill>
+                <a:latin typeface="Source Sans Pro" pitchFamily="34" charset="0"/>
+                <a:ea typeface="Source Sans Pro" pitchFamily="34" charset="-122"/>
+                <a:cs typeface="Source Sans Pro" pitchFamily="34" charset="-120"/>
+              </a:rPr>
+              <a:t> để quản lý an ninh.</a:t>
             </a:r>
             <a:endParaRPr lang="en-US" sz="1850" dirty="0"/>
           </a:p>

--- a/ppt.pptx
+++ b/ppt.pptx
@@ -1102,11 +1102,6 @@
 <file path=ppt/slideLayouts/slideLayout1.xml><?xml version="1.0" encoding="utf-8"?>
 <p:sldLayout xmlns:a="http://schemas.openxmlformats.org/drawingml/2006/main" xmlns:r="http://schemas.openxmlformats.org/officeDocument/2006/relationships" xmlns:p="http://schemas.openxmlformats.org/presentationml/2006/main" preserve="1">
   <p:cSld name="DEFAULT">
-    <p:bg>
-      <p:bgRef idx="1001">
-        <a:schemeClr val="bg1"/>
-      </p:bgRef>
-    </p:bg>
     <p:spTree>
       <p:nvGrpSpPr>
         <p:cNvPr id="1" name=""/>
@@ -1132,14 +1127,6 @@
 <file path=ppt/slideLayouts/slideLayout10.xml><?xml version="1.0" encoding="utf-8"?>
 <p:sldLayout xmlns:a="http://schemas.openxmlformats.org/drawingml/2006/main" xmlns:r="http://schemas.openxmlformats.org/officeDocument/2006/relationships" xmlns:p="http://schemas.openxmlformats.org/presentationml/2006/main" preserve="1">
   <p:cSld name="Slide 9 master">
-    <p:bg>
-      <p:bgPr>
-        <a:solidFill>
-          <a:srgbClr val="000000"/>
-        </a:solidFill>
-        <a:effectLst/>
-      </p:bgPr>
-    </p:bg>
     <p:spTree>
       <p:nvGrpSpPr>
         <p:cNvPr id="1" name=""/>
@@ -1231,14 +1218,6 @@
 <file path=ppt/slideLayouts/slideLayout11.xml><?xml version="1.0" encoding="utf-8"?>
 <p:sldLayout xmlns:a="http://schemas.openxmlformats.org/drawingml/2006/main" xmlns:r="http://schemas.openxmlformats.org/officeDocument/2006/relationships" xmlns:p="http://schemas.openxmlformats.org/presentationml/2006/main" preserve="1">
   <p:cSld name="Slide 10 master">
-    <p:bg>
-      <p:bgPr>
-        <a:solidFill>
-          <a:srgbClr val="000000"/>
-        </a:solidFill>
-        <a:effectLst/>
-      </p:bgPr>
-    </p:bg>
     <p:spTree>
       <p:nvGrpSpPr>
         <p:cNvPr id="1" name=""/>
@@ -1330,14 +1309,6 @@
 <file path=ppt/slideLayouts/slideLayout12.xml><?xml version="1.0" encoding="utf-8"?>
 <p:sldLayout xmlns:a="http://schemas.openxmlformats.org/drawingml/2006/main" xmlns:r="http://schemas.openxmlformats.org/officeDocument/2006/relationships" xmlns:p="http://schemas.openxmlformats.org/presentationml/2006/main" preserve="1">
   <p:cSld name="Slide 11 master">
-    <p:bg>
-      <p:bgPr>
-        <a:solidFill>
-          <a:srgbClr val="000000"/>
-        </a:solidFill>
-        <a:effectLst/>
-      </p:bgPr>
-    </p:bg>
     <p:spTree>
       <p:nvGrpSpPr>
         <p:cNvPr id="1" name=""/>
@@ -1429,14 +1400,6 @@
 <file path=ppt/slideLayouts/slideLayout2.xml><?xml version="1.0" encoding="utf-8"?>
 <p:sldLayout xmlns:a="http://schemas.openxmlformats.org/drawingml/2006/main" xmlns:r="http://schemas.openxmlformats.org/officeDocument/2006/relationships" xmlns:p="http://schemas.openxmlformats.org/presentationml/2006/main" preserve="1">
   <p:cSld name="Slide 1 master">
-    <p:bg>
-      <p:bgPr>
-        <a:solidFill>
-          <a:srgbClr val="000000"/>
-        </a:solidFill>
-        <a:effectLst/>
-      </p:bgPr>
-    </p:bg>
     <p:spTree>
       <p:nvGrpSpPr>
         <p:cNvPr id="1" name=""/>
@@ -1528,14 +1491,6 @@
 <file path=ppt/slideLayouts/slideLayout3.xml><?xml version="1.0" encoding="utf-8"?>
 <p:sldLayout xmlns:a="http://schemas.openxmlformats.org/drawingml/2006/main" xmlns:r="http://schemas.openxmlformats.org/officeDocument/2006/relationships" xmlns:p="http://schemas.openxmlformats.org/presentationml/2006/main" preserve="1">
   <p:cSld name="Slide 2 master">
-    <p:bg>
-      <p:bgPr>
-        <a:solidFill>
-          <a:srgbClr val="000000"/>
-        </a:solidFill>
-        <a:effectLst/>
-      </p:bgPr>
-    </p:bg>
     <p:spTree>
       <p:nvGrpSpPr>
         <p:cNvPr id="1" name=""/>
@@ -1627,14 +1582,6 @@
 <file path=ppt/slideLayouts/slideLayout4.xml><?xml version="1.0" encoding="utf-8"?>
 <p:sldLayout xmlns:a="http://schemas.openxmlformats.org/drawingml/2006/main" xmlns:r="http://schemas.openxmlformats.org/officeDocument/2006/relationships" xmlns:p="http://schemas.openxmlformats.org/presentationml/2006/main" preserve="1">
   <p:cSld name="Slide 3 master">
-    <p:bg>
-      <p:bgPr>
-        <a:solidFill>
-          <a:srgbClr val="000000"/>
-        </a:solidFill>
-        <a:effectLst/>
-      </p:bgPr>
-    </p:bg>
     <p:spTree>
       <p:nvGrpSpPr>
         <p:cNvPr id="1" name=""/>
@@ -1726,14 +1673,6 @@
 <file path=ppt/slideLayouts/slideLayout5.xml><?xml version="1.0" encoding="utf-8"?>
 <p:sldLayout xmlns:a="http://schemas.openxmlformats.org/drawingml/2006/main" xmlns:r="http://schemas.openxmlformats.org/officeDocument/2006/relationships" xmlns:p="http://schemas.openxmlformats.org/presentationml/2006/main" preserve="1">
   <p:cSld name="Slide 4 master">
-    <p:bg>
-      <p:bgPr>
-        <a:solidFill>
-          <a:srgbClr val="000000"/>
-        </a:solidFill>
-        <a:effectLst/>
-      </p:bgPr>
-    </p:bg>
     <p:spTree>
       <p:nvGrpSpPr>
         <p:cNvPr id="1" name=""/>
@@ -1825,14 +1764,6 @@
 <file path=ppt/slideLayouts/slideLayout6.xml><?xml version="1.0" encoding="utf-8"?>
 <p:sldLayout xmlns:a="http://schemas.openxmlformats.org/drawingml/2006/main" xmlns:r="http://schemas.openxmlformats.org/officeDocument/2006/relationships" xmlns:p="http://schemas.openxmlformats.org/presentationml/2006/main" preserve="1">
   <p:cSld name="Slide 5 master">
-    <p:bg>
-      <p:bgPr>
-        <a:solidFill>
-          <a:srgbClr val="000000"/>
-        </a:solidFill>
-        <a:effectLst/>
-      </p:bgPr>
-    </p:bg>
     <p:spTree>
       <p:nvGrpSpPr>
         <p:cNvPr id="1" name=""/>
@@ -1924,14 +1855,6 @@
 <file path=ppt/slideLayouts/slideLayout7.xml><?xml version="1.0" encoding="utf-8"?>
 <p:sldLayout xmlns:a="http://schemas.openxmlformats.org/drawingml/2006/main" xmlns:r="http://schemas.openxmlformats.org/officeDocument/2006/relationships" xmlns:p="http://schemas.openxmlformats.org/presentationml/2006/main" preserve="1">
   <p:cSld name="Slide 6 master">
-    <p:bg>
-      <p:bgPr>
-        <a:solidFill>
-          <a:srgbClr val="000000"/>
-        </a:solidFill>
-        <a:effectLst/>
-      </p:bgPr>
-    </p:bg>
     <p:spTree>
       <p:nvGrpSpPr>
         <p:cNvPr id="1" name=""/>
@@ -2023,14 +1946,6 @@
 <file path=ppt/slideLayouts/slideLayout8.xml><?xml version="1.0" encoding="utf-8"?>
 <p:sldLayout xmlns:a="http://schemas.openxmlformats.org/drawingml/2006/main" xmlns:r="http://schemas.openxmlformats.org/officeDocument/2006/relationships" xmlns:p="http://schemas.openxmlformats.org/presentationml/2006/main" preserve="1">
   <p:cSld name="Slide 7 master">
-    <p:bg>
-      <p:bgPr>
-        <a:solidFill>
-          <a:srgbClr val="000000"/>
-        </a:solidFill>
-        <a:effectLst/>
-      </p:bgPr>
-    </p:bg>
     <p:spTree>
       <p:nvGrpSpPr>
         <p:cNvPr id="1" name=""/>
@@ -2122,14 +2037,6 @@
 <file path=ppt/slideLayouts/slideLayout9.xml><?xml version="1.0" encoding="utf-8"?>
 <p:sldLayout xmlns:a="http://schemas.openxmlformats.org/drawingml/2006/main" xmlns:r="http://schemas.openxmlformats.org/officeDocument/2006/relationships" xmlns:p="http://schemas.openxmlformats.org/presentationml/2006/main" preserve="1">
   <p:cSld name="Slide 8 master">
-    <p:bg>
-      <p:bgPr>
-        <a:solidFill>
-          <a:srgbClr val="000000"/>
-        </a:solidFill>
-        <a:effectLst/>
-      </p:bgPr>
-    </p:bg>
     <p:spTree>
       <p:nvGrpSpPr>
         <p:cNvPr id="1" name=""/>
@@ -2222,9 +2129,12 @@
 <p:sldMaster xmlns:a="http://schemas.openxmlformats.org/drawingml/2006/main" xmlns:r="http://schemas.openxmlformats.org/officeDocument/2006/relationships" xmlns:p="http://schemas.openxmlformats.org/presentationml/2006/main">
   <p:cSld>
     <p:bg>
-      <p:bgRef idx="1001">
-        <a:schemeClr val="bg1"/>
-      </p:bgRef>
+      <p:bgPr>
+        <a:solidFill>
+          <a:srgbClr val="FFFFFF"/>
+        </a:solidFill>
+        <a:effectLst/>
+      </p:bgPr>
     </p:bg>
     <p:spTree>
       <p:nvGrpSpPr>
@@ -4290,7 +4200,7 @@
               <a:buNone/>
             </a:pPr>
             <a:r>
-              <a:rPr lang="en-US" sz="4400" dirty="0">
+              <a:rPr lang="en-US" sz="4400" dirty="0" err="1">
                 <a:solidFill>
                   <a:srgbClr val="38512F"/>
                 </a:solidFill>
@@ -4298,7 +4208,29 @@
                 <a:ea typeface="Lora" pitchFamily="34" charset="-122"/>
                 <a:cs typeface="Lora" pitchFamily="34" charset="-120"/>
               </a:rPr>
-              <a:t>Sơ đồ Hoạt động</a:t>
+              <a:t>Phần</a:t>
+            </a:r>
+            <a:r>
+              <a:rPr lang="en-US" sz="4400" dirty="0">
+                <a:solidFill>
+                  <a:srgbClr val="38512F"/>
+                </a:solidFill>
+                <a:latin typeface="Lora" pitchFamily="34" charset="0"/>
+                <a:ea typeface="Lora" pitchFamily="34" charset="-122"/>
+                <a:cs typeface="Lora" pitchFamily="34" charset="-120"/>
+              </a:rPr>
+              <a:t> </a:t>
+            </a:r>
+            <a:r>
+              <a:rPr lang="en-US" sz="4400" dirty="0" err="1">
+                <a:solidFill>
+                  <a:srgbClr val="38512F"/>
+                </a:solidFill>
+                <a:latin typeface="Lora" pitchFamily="34" charset="0"/>
+                <a:ea typeface="Lora" pitchFamily="34" charset="-122"/>
+                <a:cs typeface="Lora" pitchFamily="34" charset="-120"/>
+              </a:rPr>
+              <a:t>cứng</a:t>
             </a:r>
             <a:endParaRPr lang="en-US" sz="4400" dirty="0"/>
           </a:p>
@@ -4628,9 +4560,183 @@
           </a:p>
         </p:txBody>
       </p:sp>
+      <p:sp>
+        <p:nvSpPr>
+          <p:cNvPr id="13" name="Text 7"/>
+          <p:cNvSpPr/>
+          <p:nvPr/>
+        </p:nvSpPr>
+        <p:spPr>
+          <a:xfrm>
+            <a:off x="10823138" y="3085505"/>
+            <a:ext cx="2816185" cy="351949"/>
+          </a:xfrm>
+          <a:prstGeom prst="rect">
+            <a:avLst/>
+          </a:prstGeom>
+          <a:noFill/>
+          <a:ln/>
+        </p:spPr>
+        <p:txBody>
+          <a:bodyPr wrap="none" lIns="0" tIns="0" rIns="0" bIns="0" rtlCol="0" anchor="t"/>
+          <a:lstStyle/>
+          <a:p>
+            <a:pPr marL="0" indent="0" algn="l">
+              <a:lnSpc>
+                <a:spcPts val="2750"/>
+              </a:lnSpc>
+              <a:buNone/>
+            </a:pPr>
+            <a:r>
+              <a:rPr lang="en-US" sz="2200" dirty="0">
+                <a:solidFill>
+                  <a:srgbClr val="3A3630"/>
+                </a:solidFill>
+                <a:latin typeface="Lora" pitchFamily="34" charset="0"/>
+                <a:ea typeface="Lora" pitchFamily="34" charset="-122"/>
+                <a:cs typeface="Lora" pitchFamily="34" charset="-120"/>
+              </a:rPr>
+              <a:t>Camera</a:t>
+            </a:r>
+            <a:endParaRPr lang="en-US" sz="2200" dirty="0"/>
+          </a:p>
+        </p:txBody>
+      </p:sp>
+      <p:sp>
+        <p:nvSpPr>
+          <p:cNvPr id="14" name="Text 8"/>
+          <p:cNvSpPr/>
+          <p:nvPr/>
+        </p:nvSpPr>
+        <p:spPr>
+          <a:xfrm>
+            <a:off x="10823138" y="3581043"/>
+            <a:ext cx="2969538" cy="383024"/>
+          </a:xfrm>
+          <a:prstGeom prst="rect">
+            <a:avLst/>
+          </a:prstGeom>
+          <a:noFill/>
+          <a:ln/>
+        </p:spPr>
+        <p:txBody>
+          <a:bodyPr wrap="none" lIns="0" tIns="0" rIns="0" bIns="0" rtlCol="0" anchor="t"/>
+          <a:lstStyle/>
+          <a:p>
+            <a:pPr marL="0" indent="0" algn="l">
+              <a:lnSpc>
+                <a:spcPts val="3000"/>
+              </a:lnSpc>
+              <a:buNone/>
+            </a:pPr>
+            <a:r>
+              <a:rPr lang="en-US" sz="1850" dirty="0">
+                <a:solidFill>
+                  <a:srgbClr val="3A3630"/>
+                </a:solidFill>
+                <a:latin typeface="Source Sans Pro" pitchFamily="34" charset="0"/>
+                <a:ea typeface="Source Sans Pro" pitchFamily="34" charset="-122"/>
+                <a:cs typeface="Source Sans Pro" pitchFamily="34" charset="-120"/>
+              </a:rPr>
+              <a:t>Chụp ảnh xe khi vào/ra bãi.</a:t>
+            </a:r>
+            <a:endParaRPr lang="en-US" sz="1850" dirty="0"/>
+          </a:p>
+        </p:txBody>
+      </p:sp>
+      <p:sp>
+        <p:nvSpPr>
+          <p:cNvPr id="16" name="Text 9"/>
+          <p:cNvSpPr/>
+          <p:nvPr/>
+        </p:nvSpPr>
+        <p:spPr>
+          <a:xfrm>
+            <a:off x="837724" y="5902881"/>
+            <a:ext cx="2816185" cy="351949"/>
+          </a:xfrm>
+          <a:prstGeom prst="rect">
+            <a:avLst/>
+          </a:prstGeom>
+          <a:noFill/>
+          <a:ln/>
+        </p:spPr>
+        <p:txBody>
+          <a:bodyPr wrap="none" lIns="0" tIns="0" rIns="0" bIns="0" rtlCol="0" anchor="t"/>
+          <a:lstStyle/>
+          <a:p>
+            <a:pPr marL="0" indent="0" algn="l">
+              <a:lnSpc>
+                <a:spcPts val="2750"/>
+              </a:lnSpc>
+              <a:buNone/>
+            </a:pPr>
+            <a:r>
+              <a:rPr lang="en-US" sz="2200" dirty="0">
+                <a:solidFill>
+                  <a:srgbClr val="3A3630"/>
+                </a:solidFill>
+                <a:latin typeface="Lora" pitchFamily="34" charset="0"/>
+                <a:ea typeface="Lora" pitchFamily="34" charset="-122"/>
+                <a:cs typeface="Lora" pitchFamily="34" charset="-120"/>
+              </a:rPr>
+              <a:t>Cổng</a:t>
+            </a:r>
+            <a:endParaRPr lang="en-US" sz="2200" dirty="0"/>
+          </a:p>
+        </p:txBody>
+      </p:sp>
+      <p:sp>
+        <p:nvSpPr>
+          <p:cNvPr id="17" name="Text 10"/>
+          <p:cNvSpPr/>
+          <p:nvPr/>
+        </p:nvSpPr>
+        <p:spPr>
+          <a:xfrm>
+            <a:off x="837724" y="6398419"/>
+            <a:ext cx="2969419" cy="766048"/>
+          </a:xfrm>
+          <a:prstGeom prst="rect">
+            <a:avLst/>
+          </a:prstGeom>
+          <a:noFill/>
+          <a:ln/>
+        </p:spPr>
+        <p:txBody>
+          <a:bodyPr wrap="square" lIns="0" tIns="0" rIns="0" bIns="0" rtlCol="0" anchor="t"/>
+          <a:lstStyle/>
+          <a:p>
+            <a:pPr marL="0" indent="0" algn="l">
+              <a:lnSpc>
+                <a:spcPts val="3000"/>
+              </a:lnSpc>
+              <a:buNone/>
+            </a:pPr>
+            <a:r>
+              <a:rPr lang="en-US" sz="1850" dirty="0">
+                <a:solidFill>
+                  <a:srgbClr val="3A3630"/>
+                </a:solidFill>
+                <a:latin typeface="Source Sans Pro" pitchFamily="34" charset="0"/>
+                <a:ea typeface="Source Sans Pro" pitchFamily="34" charset="-122"/>
+                <a:cs typeface="Source Sans Pro" pitchFamily="34" charset="-120"/>
+              </a:rPr>
+              <a:t>Servo điều khiển mở/đóng cổng tự động.</a:t>
+            </a:r>
+            <a:endParaRPr lang="en-US" sz="1850" dirty="0"/>
+          </a:p>
+        </p:txBody>
+      </p:sp>
       <p:pic>
         <p:nvPicPr>
-          <p:cNvPr id="12" name="Image 3" descr="preencoded.png"/>
+          <p:cNvPr id="19" name="Picture 18">
+            <a:extLst>
+              <a:ext uri="{FF2B5EF4-FFF2-40B4-BE49-F238E27FC236}">
+                <a16:creationId xmlns:a16="http://schemas.microsoft.com/office/drawing/2014/main" id="{E67B4207-ABC9-BF6B-4889-7F5B5706A357}"/>
+              </a:ext>
+            </a:extLst>
+          </p:cNvPr>
           <p:cNvPicPr>
             <a:picLocks noChangeAspect="1"/>
           </p:cNvPicPr>
@@ -4643,102 +4749,24 @@
           </a:stretch>
         </p:blipFill>
         <p:spPr>
-          <a:xfrm>
-            <a:off x="10823138" y="2247781"/>
-            <a:ext cx="598408" cy="598408"/>
+          <a:xfrm rot="16200000">
+            <a:off x="11758814" y="613114"/>
+            <a:ext cx="609685" cy="3505689"/>
           </a:xfrm>
           <a:prstGeom prst="rect">
             <a:avLst/>
           </a:prstGeom>
         </p:spPr>
       </p:pic>
-      <p:sp>
-        <p:nvSpPr>
-          <p:cNvPr id="13" name="Text 7"/>
-          <p:cNvSpPr/>
-          <p:nvPr/>
-        </p:nvSpPr>
-        <p:spPr>
-          <a:xfrm>
-            <a:off x="10823138" y="3085505"/>
-            <a:ext cx="2816185" cy="351949"/>
-          </a:xfrm>
-          <a:prstGeom prst="rect">
-            <a:avLst/>
-          </a:prstGeom>
-          <a:noFill/>
-          <a:ln/>
-        </p:spPr>
-        <p:txBody>
-          <a:bodyPr wrap="none" lIns="0" tIns="0" rIns="0" bIns="0" rtlCol="0" anchor="t"/>
-          <a:lstStyle/>
-          <a:p>
-            <a:pPr marL="0" indent="0" algn="l">
-              <a:lnSpc>
-                <a:spcPts val="2750"/>
-              </a:lnSpc>
-              <a:buNone/>
-            </a:pPr>
-            <a:r>
-              <a:rPr lang="en-US" sz="2200" dirty="0">
-                <a:solidFill>
-                  <a:srgbClr val="3A3630"/>
-                </a:solidFill>
-                <a:latin typeface="Lora" pitchFamily="34" charset="0"/>
-                <a:ea typeface="Lora" pitchFamily="34" charset="-122"/>
-                <a:cs typeface="Lora" pitchFamily="34" charset="-120"/>
-              </a:rPr>
-              <a:t>Camera</a:t>
-            </a:r>
-            <a:endParaRPr lang="en-US" sz="2200" dirty="0"/>
-          </a:p>
-        </p:txBody>
-      </p:sp>
-      <p:sp>
-        <p:nvSpPr>
-          <p:cNvPr id="14" name="Text 8"/>
-          <p:cNvSpPr/>
-          <p:nvPr/>
-        </p:nvSpPr>
-        <p:spPr>
-          <a:xfrm>
-            <a:off x="10823138" y="3581043"/>
-            <a:ext cx="2969538" cy="383024"/>
-          </a:xfrm>
-          <a:prstGeom prst="rect">
-            <a:avLst/>
-          </a:prstGeom>
-          <a:noFill/>
-          <a:ln/>
-        </p:spPr>
-        <p:txBody>
-          <a:bodyPr wrap="none" lIns="0" tIns="0" rIns="0" bIns="0" rtlCol="0" anchor="t"/>
-          <a:lstStyle/>
-          <a:p>
-            <a:pPr marL="0" indent="0" algn="l">
-              <a:lnSpc>
-                <a:spcPts val="3000"/>
-              </a:lnSpc>
-              <a:buNone/>
-            </a:pPr>
-            <a:r>
-              <a:rPr lang="en-US" sz="1850" dirty="0">
-                <a:solidFill>
-                  <a:srgbClr val="3A3630"/>
-                </a:solidFill>
-                <a:latin typeface="Source Sans Pro" pitchFamily="34" charset="0"/>
-                <a:ea typeface="Source Sans Pro" pitchFamily="34" charset="-122"/>
-                <a:cs typeface="Source Sans Pro" pitchFamily="34" charset="-120"/>
-              </a:rPr>
-              <a:t>Chụp ảnh xe khi vào/ra bãi.</a:t>
-            </a:r>
-            <a:endParaRPr lang="en-US" sz="1850" dirty="0"/>
-          </a:p>
-        </p:txBody>
-      </p:sp>
       <p:pic>
         <p:nvPicPr>
-          <p:cNvPr id="15" name="Image 4" descr="preencoded.png"/>
+          <p:cNvPr id="21" name="Picture 20">
+            <a:extLst>
+              <a:ext uri="{FF2B5EF4-FFF2-40B4-BE49-F238E27FC236}">
+                <a16:creationId xmlns:a16="http://schemas.microsoft.com/office/drawing/2014/main" id="{B863E8A6-24E6-C167-5F7E-8B4A82A63E67}"/>
+              </a:ext>
+            </a:extLst>
+          </p:cNvPr>
           <p:cNvPicPr>
             <a:picLocks noChangeAspect="1"/>
           </p:cNvPicPr>
@@ -4752,98 +4780,104 @@
         </p:blipFill>
         <p:spPr>
           <a:xfrm>
-            <a:off x="837724" y="5065157"/>
-            <a:ext cx="598408" cy="598408"/>
+            <a:off x="799656" y="4472326"/>
+            <a:ext cx="1272951" cy="1282522"/>
           </a:xfrm>
           <a:prstGeom prst="rect">
             <a:avLst/>
           </a:prstGeom>
         </p:spPr>
       </p:pic>
-      <p:sp>
-        <p:nvSpPr>
-          <p:cNvPr id="16" name="Text 9"/>
-          <p:cNvSpPr/>
-          <p:nvPr/>
-        </p:nvSpPr>
-        <p:spPr>
-          <a:xfrm>
-            <a:off x="837724" y="5902881"/>
-            <a:ext cx="2816185" cy="351949"/>
-          </a:xfrm>
-          <a:prstGeom prst="rect">
-            <a:avLst/>
-          </a:prstGeom>
-          <a:noFill/>
-          <a:ln/>
-        </p:spPr>
-        <p:txBody>
-          <a:bodyPr wrap="none" lIns="0" tIns="0" rIns="0" bIns="0" rtlCol="0" anchor="t"/>
-          <a:lstStyle/>
-          <a:p>
-            <a:pPr marL="0" indent="0" algn="l">
-              <a:lnSpc>
-                <a:spcPts val="2750"/>
-              </a:lnSpc>
-              <a:buNone/>
-            </a:pPr>
-            <a:r>
-              <a:rPr lang="en-US" sz="2200" dirty="0">
-                <a:solidFill>
-                  <a:srgbClr val="3A3630"/>
-                </a:solidFill>
-                <a:latin typeface="Lora" pitchFamily="34" charset="0"/>
-                <a:ea typeface="Lora" pitchFamily="34" charset="-122"/>
-                <a:cs typeface="Lora" pitchFamily="34" charset="-120"/>
-              </a:rPr>
-              <a:t>Cổng</a:t>
-            </a:r>
-            <a:endParaRPr lang="en-US" sz="2200" dirty="0"/>
-          </a:p>
-        </p:txBody>
-      </p:sp>
-      <p:sp>
-        <p:nvSpPr>
-          <p:cNvPr id="17" name="Text 10"/>
-          <p:cNvSpPr/>
-          <p:nvPr/>
-        </p:nvSpPr>
-        <p:spPr>
-          <a:xfrm>
-            <a:off x="837724" y="6398419"/>
-            <a:ext cx="2969419" cy="766048"/>
-          </a:xfrm>
-          <a:prstGeom prst="rect">
-            <a:avLst/>
-          </a:prstGeom>
-          <a:noFill/>
-          <a:ln/>
-        </p:spPr>
-        <p:txBody>
-          <a:bodyPr wrap="square" lIns="0" tIns="0" rIns="0" bIns="0" rtlCol="0" anchor="t"/>
-          <a:lstStyle/>
-          <a:p>
-            <a:pPr marL="0" indent="0" algn="l">
-              <a:lnSpc>
-                <a:spcPts val="3000"/>
-              </a:lnSpc>
-              <a:buNone/>
-            </a:pPr>
-            <a:r>
-              <a:rPr lang="en-US" sz="1850" dirty="0">
-                <a:solidFill>
-                  <a:srgbClr val="3A3630"/>
-                </a:solidFill>
-                <a:latin typeface="Source Sans Pro" pitchFamily="34" charset="0"/>
-                <a:ea typeface="Source Sans Pro" pitchFamily="34" charset="-122"/>
-                <a:cs typeface="Source Sans Pro" pitchFamily="34" charset="-120"/>
-              </a:rPr>
-              <a:t>Servo điều khiển mở/đóng cổng tự động.</a:t>
-            </a:r>
-            <a:endParaRPr lang="en-US" sz="1850" dirty="0"/>
-          </a:p>
-        </p:txBody>
-      </p:sp>
+      <p:pic>
+        <p:nvPicPr>
+          <p:cNvPr id="23" name="Picture 22">
+            <a:extLst>
+              <a:ext uri="{FF2B5EF4-FFF2-40B4-BE49-F238E27FC236}">
+                <a16:creationId xmlns:a16="http://schemas.microsoft.com/office/drawing/2014/main" id="{83CE46AD-76E0-FD82-5265-150AEE149D50}"/>
+              </a:ext>
+            </a:extLst>
+          </p:cNvPr>
+          <p:cNvPicPr>
+            <a:picLocks noChangeAspect="1"/>
+          </p:cNvPicPr>
+          <p:nvPr/>
+        </p:nvPicPr>
+        <p:blipFill>
+          <a:blip r:embed="rId8"/>
+          <a:stretch>
+            <a:fillRect/>
+          </a:stretch>
+        </p:blipFill>
+        <p:spPr>
+          <a:xfrm rot="5400000">
+            <a:off x="5043731" y="3726082"/>
+            <a:ext cx="1214309" cy="2969539"/>
+          </a:xfrm>
+          <a:prstGeom prst="rect">
+            <a:avLst/>
+          </a:prstGeom>
+        </p:spPr>
+      </p:pic>
+      <p:pic>
+        <p:nvPicPr>
+          <p:cNvPr id="25" name="Picture 24">
+            <a:extLst>
+              <a:ext uri="{FF2B5EF4-FFF2-40B4-BE49-F238E27FC236}">
+                <a16:creationId xmlns:a16="http://schemas.microsoft.com/office/drawing/2014/main" id="{AD1F59D1-B9F2-66BF-B0A4-DB65B17ACAF1}"/>
+              </a:ext>
+            </a:extLst>
+          </p:cNvPr>
+          <p:cNvPicPr>
+            <a:picLocks noChangeAspect="1"/>
+          </p:cNvPicPr>
+          <p:nvPr/>
+        </p:nvPicPr>
+        <p:blipFill>
+          <a:blip r:embed="rId9"/>
+          <a:stretch>
+            <a:fillRect/>
+          </a:stretch>
+        </p:blipFill>
+        <p:spPr>
+          <a:xfrm>
+            <a:off x="8342638" y="4606261"/>
+            <a:ext cx="1273516" cy="1242451"/>
+          </a:xfrm>
+          <a:prstGeom prst="rect">
+            <a:avLst/>
+          </a:prstGeom>
+        </p:spPr>
+      </p:pic>
+      <p:pic>
+        <p:nvPicPr>
+          <p:cNvPr id="27" name="Picture 26">
+            <a:extLst>
+              <a:ext uri="{FF2B5EF4-FFF2-40B4-BE49-F238E27FC236}">
+                <a16:creationId xmlns:a16="http://schemas.microsoft.com/office/drawing/2014/main" id="{FBCF028C-84EA-5DAD-7A63-1C9AF40D2E3A}"/>
+              </a:ext>
+            </a:extLst>
+          </p:cNvPr>
+          <p:cNvPicPr>
+            <a:picLocks noChangeAspect="1"/>
+          </p:cNvPicPr>
+          <p:nvPr/>
+        </p:nvPicPr>
+        <p:blipFill>
+          <a:blip r:embed="rId10"/>
+          <a:stretch>
+            <a:fillRect/>
+          </a:stretch>
+        </p:blipFill>
+        <p:spPr>
+          <a:xfrm>
+            <a:off x="7494627" y="1837031"/>
+            <a:ext cx="1991003" cy="1600423"/>
+          </a:xfrm>
+          <a:prstGeom prst="rect">
+            <a:avLst/>
+          </a:prstGeom>
+        </p:spPr>
+      </p:pic>
     </p:spTree>
   </p:cSld>
   <p:clrMapOvr>

--- a/ppt.pptx
+++ b/ppt.pptx
@@ -4,6 +4,9 @@
   <p:sldMasterIdLst>
     <p:sldMasterId id="2147483816" r:id="rId1"/>
   </p:sldMasterIdLst>
+  <p:notesMasterIdLst>
+    <p:notesMasterId r:id="rId16"/>
+  </p:notesMasterIdLst>
   <p:sldIdLst>
     <p:sldId id="256" r:id="rId2"/>
     <p:sldId id="275" r:id="rId3"/>
@@ -14,10 +17,11 @@
     <p:sldId id="267" r:id="rId8"/>
     <p:sldId id="270" r:id="rId9"/>
     <p:sldId id="274" r:id="rId10"/>
-    <p:sldId id="261" r:id="rId11"/>
-    <p:sldId id="263" r:id="rId12"/>
-    <p:sldId id="262" r:id="rId13"/>
-    <p:sldId id="266" r:id="rId14"/>
+    <p:sldId id="276" r:id="rId11"/>
+    <p:sldId id="261" r:id="rId12"/>
+    <p:sldId id="263" r:id="rId13"/>
+    <p:sldId id="262" r:id="rId14"/>
+    <p:sldId id="266" r:id="rId15"/>
   </p:sldIdLst>
   <p:sldSz cx="12192000" cy="6858000"/>
   <p:notesSz cx="6858000" cy="9144000"/>
@@ -11804,6 +11808,439 @@
 </dgm:styleDef>
 </file>
 
+<file path=ppt/notesMasters/notesMaster1.xml><?xml version="1.0" encoding="utf-8"?>
+<p:notesMaster xmlns:a="http://schemas.openxmlformats.org/drawingml/2006/main" xmlns:r="http://schemas.openxmlformats.org/officeDocument/2006/relationships" xmlns:p="http://schemas.openxmlformats.org/presentationml/2006/main">
+  <p:cSld>
+    <p:bg>
+      <p:bgRef idx="1001">
+        <a:schemeClr val="bg1"/>
+      </p:bgRef>
+    </p:bg>
+    <p:spTree>
+      <p:nvGrpSpPr>
+        <p:cNvPr id="1" name=""/>
+        <p:cNvGrpSpPr/>
+        <p:nvPr/>
+      </p:nvGrpSpPr>
+      <p:grpSpPr>
+        <a:xfrm>
+          <a:off x="0" y="0"/>
+          <a:ext cx="0" cy="0"/>
+          <a:chOff x="0" y="0"/>
+          <a:chExt cx="0" cy="0"/>
+        </a:xfrm>
+      </p:grpSpPr>
+      <p:sp>
+        <p:nvSpPr>
+          <p:cNvPr id="2" name="Header Placeholder 1"/>
+          <p:cNvSpPr>
+            <a:spLocks noGrp="1"/>
+          </p:cNvSpPr>
+          <p:nvPr>
+            <p:ph type="hdr" sz="quarter"/>
+          </p:nvPr>
+        </p:nvSpPr>
+        <p:spPr>
+          <a:xfrm>
+            <a:off x="0" y="0"/>
+            <a:ext cx="2971800" cy="458788"/>
+          </a:xfrm>
+          <a:prstGeom prst="rect">
+            <a:avLst/>
+          </a:prstGeom>
+        </p:spPr>
+        <p:txBody>
+          <a:bodyPr vert="horz" lIns="91440" tIns="45720" rIns="91440" bIns="45720" rtlCol="0"/>
+          <a:lstStyle>
+            <a:lvl1pPr algn="l">
+              <a:defRPr sz="1200"/>
+            </a:lvl1pPr>
+          </a:lstStyle>
+          <a:p>
+            <a:endParaRPr lang="en-US"/>
+          </a:p>
+        </p:txBody>
+      </p:sp>
+      <p:sp>
+        <p:nvSpPr>
+          <p:cNvPr id="3" name="Date Placeholder 2"/>
+          <p:cNvSpPr>
+            <a:spLocks noGrp="1"/>
+          </p:cNvSpPr>
+          <p:nvPr>
+            <p:ph type="dt" idx="1"/>
+          </p:nvPr>
+        </p:nvSpPr>
+        <p:spPr>
+          <a:xfrm>
+            <a:off x="3884613" y="0"/>
+            <a:ext cx="2971800" cy="458788"/>
+          </a:xfrm>
+          <a:prstGeom prst="rect">
+            <a:avLst/>
+          </a:prstGeom>
+        </p:spPr>
+        <p:txBody>
+          <a:bodyPr vert="horz" lIns="91440" tIns="45720" rIns="91440" bIns="45720" rtlCol="0"/>
+          <a:lstStyle>
+            <a:lvl1pPr algn="r">
+              <a:defRPr sz="1200"/>
+            </a:lvl1pPr>
+          </a:lstStyle>
+          <a:p>
+            <a:fld id="{62DA782F-EA27-499E-873C-EA1E1BF46C69}" type="datetimeFigureOut">
+              <a:rPr lang="en-US" smtClean="0"/>
+              <a:t>11/21/2024</a:t>
+            </a:fld>
+            <a:endParaRPr lang="en-US"/>
+          </a:p>
+        </p:txBody>
+      </p:sp>
+      <p:sp>
+        <p:nvSpPr>
+          <p:cNvPr id="4" name="Slide Image Placeholder 3"/>
+          <p:cNvSpPr>
+            <a:spLocks noGrp="1" noRot="1" noChangeAspect="1"/>
+          </p:cNvSpPr>
+          <p:nvPr>
+            <p:ph type="sldImg" idx="2"/>
+          </p:nvPr>
+        </p:nvSpPr>
+        <p:spPr>
+          <a:xfrm>
+            <a:off x="685800" y="1143000"/>
+            <a:ext cx="5486400" cy="3086100"/>
+          </a:xfrm>
+          <a:prstGeom prst="rect">
+            <a:avLst/>
+          </a:prstGeom>
+          <a:noFill/>
+          <a:ln w="12700">
+            <a:solidFill>
+              <a:prstClr val="black"/>
+            </a:solidFill>
+          </a:ln>
+        </p:spPr>
+        <p:txBody>
+          <a:bodyPr vert="horz" lIns="91440" tIns="45720" rIns="91440" bIns="45720" rtlCol="0" anchor="ctr"/>
+          <a:lstStyle/>
+          <a:p>
+            <a:endParaRPr lang="en-US"/>
+          </a:p>
+        </p:txBody>
+      </p:sp>
+      <p:sp>
+        <p:nvSpPr>
+          <p:cNvPr id="5" name="Notes Placeholder 4"/>
+          <p:cNvSpPr>
+            <a:spLocks noGrp="1"/>
+          </p:cNvSpPr>
+          <p:nvPr>
+            <p:ph type="body" sz="quarter" idx="3"/>
+          </p:nvPr>
+        </p:nvSpPr>
+        <p:spPr>
+          <a:xfrm>
+            <a:off x="685800" y="4400550"/>
+            <a:ext cx="5486400" cy="3600450"/>
+          </a:xfrm>
+          <a:prstGeom prst="rect">
+            <a:avLst/>
+          </a:prstGeom>
+        </p:spPr>
+        <p:txBody>
+          <a:bodyPr vert="horz" lIns="91440" tIns="45720" rIns="91440" bIns="45720" rtlCol="0"/>
+          <a:lstStyle/>
+          <a:p>
+            <a:pPr lvl="0"/>
+            <a:r>
+              <a:rPr lang="en-US"/>
+              <a:t>Click to edit Master text styles</a:t>
+            </a:r>
+          </a:p>
+          <a:p>
+            <a:pPr lvl="1"/>
+            <a:r>
+              <a:rPr lang="en-US"/>
+              <a:t>Second level</a:t>
+            </a:r>
+          </a:p>
+          <a:p>
+            <a:pPr lvl="2"/>
+            <a:r>
+              <a:rPr lang="en-US"/>
+              <a:t>Third level</a:t>
+            </a:r>
+          </a:p>
+          <a:p>
+            <a:pPr lvl="3"/>
+            <a:r>
+              <a:rPr lang="en-US"/>
+              <a:t>Fourth level</a:t>
+            </a:r>
+          </a:p>
+          <a:p>
+            <a:pPr lvl="4"/>
+            <a:r>
+              <a:rPr lang="en-US"/>
+              <a:t>Fifth level</a:t>
+            </a:r>
+          </a:p>
+        </p:txBody>
+      </p:sp>
+      <p:sp>
+        <p:nvSpPr>
+          <p:cNvPr id="6" name="Footer Placeholder 5"/>
+          <p:cNvSpPr>
+            <a:spLocks noGrp="1"/>
+          </p:cNvSpPr>
+          <p:nvPr>
+            <p:ph type="ftr" sz="quarter" idx="4"/>
+          </p:nvPr>
+        </p:nvSpPr>
+        <p:spPr>
+          <a:xfrm>
+            <a:off x="0" y="8685213"/>
+            <a:ext cx="2971800" cy="458787"/>
+          </a:xfrm>
+          <a:prstGeom prst="rect">
+            <a:avLst/>
+          </a:prstGeom>
+        </p:spPr>
+        <p:txBody>
+          <a:bodyPr vert="horz" lIns="91440" tIns="45720" rIns="91440" bIns="45720" rtlCol="0" anchor="b"/>
+          <a:lstStyle>
+            <a:lvl1pPr algn="l">
+              <a:defRPr sz="1200"/>
+            </a:lvl1pPr>
+          </a:lstStyle>
+          <a:p>
+            <a:endParaRPr lang="en-US"/>
+          </a:p>
+        </p:txBody>
+      </p:sp>
+      <p:sp>
+        <p:nvSpPr>
+          <p:cNvPr id="7" name="Slide Number Placeholder 6"/>
+          <p:cNvSpPr>
+            <a:spLocks noGrp="1"/>
+          </p:cNvSpPr>
+          <p:nvPr>
+            <p:ph type="sldNum" sz="quarter" idx="5"/>
+          </p:nvPr>
+        </p:nvSpPr>
+        <p:spPr>
+          <a:xfrm>
+            <a:off x="3884613" y="8685213"/>
+            <a:ext cx="2971800" cy="458787"/>
+          </a:xfrm>
+          <a:prstGeom prst="rect">
+            <a:avLst/>
+          </a:prstGeom>
+        </p:spPr>
+        <p:txBody>
+          <a:bodyPr vert="horz" lIns="91440" tIns="45720" rIns="91440" bIns="45720" rtlCol="0" anchor="b"/>
+          <a:lstStyle>
+            <a:lvl1pPr algn="r">
+              <a:defRPr sz="1200"/>
+            </a:lvl1pPr>
+          </a:lstStyle>
+          <a:p>
+            <a:fld id="{5C927F9E-AA94-4775-9599-691CE494F09E}" type="slidenum">
+              <a:rPr lang="en-US" smtClean="0"/>
+              <a:t>‹#›</a:t>
+            </a:fld>
+            <a:endParaRPr lang="en-US"/>
+          </a:p>
+        </p:txBody>
+      </p:sp>
+    </p:spTree>
+    <p:extLst>
+      <p:ext uri="{BB962C8B-B14F-4D97-AF65-F5344CB8AC3E}">
+        <p14:creationId xmlns:p14="http://schemas.microsoft.com/office/powerpoint/2010/main" val="2580511021"/>
+      </p:ext>
+    </p:extLst>
+  </p:cSld>
+  <p:clrMap bg1="lt1" tx1="dk1" bg2="lt2" tx2="dk2" accent1="accent1" accent2="accent2" accent3="accent3" accent4="accent4" accent5="accent5" accent6="accent6" hlink="hlink" folHlink="folHlink"/>
+  <p:notesStyle>
+    <a:lvl1pPr marL="0" algn="l" defTabSz="914400" rtl="0" eaLnBrk="1" latinLnBrk="0" hangingPunct="1">
+      <a:defRPr sz="1200" kern="1200">
+        <a:solidFill>
+          <a:schemeClr val="tx1"/>
+        </a:solidFill>
+        <a:latin typeface="+mn-lt"/>
+        <a:ea typeface="+mn-ea"/>
+        <a:cs typeface="+mn-cs"/>
+      </a:defRPr>
+    </a:lvl1pPr>
+    <a:lvl2pPr marL="457200" algn="l" defTabSz="914400" rtl="0" eaLnBrk="1" latinLnBrk="0" hangingPunct="1">
+      <a:defRPr sz="1200" kern="1200">
+        <a:solidFill>
+          <a:schemeClr val="tx1"/>
+        </a:solidFill>
+        <a:latin typeface="+mn-lt"/>
+        <a:ea typeface="+mn-ea"/>
+        <a:cs typeface="+mn-cs"/>
+      </a:defRPr>
+    </a:lvl2pPr>
+    <a:lvl3pPr marL="914400" algn="l" defTabSz="914400" rtl="0" eaLnBrk="1" latinLnBrk="0" hangingPunct="1">
+      <a:defRPr sz="1200" kern="1200">
+        <a:solidFill>
+          <a:schemeClr val="tx1"/>
+        </a:solidFill>
+        <a:latin typeface="+mn-lt"/>
+        <a:ea typeface="+mn-ea"/>
+        <a:cs typeface="+mn-cs"/>
+      </a:defRPr>
+    </a:lvl3pPr>
+    <a:lvl4pPr marL="1371600" algn="l" defTabSz="914400" rtl="0" eaLnBrk="1" latinLnBrk="0" hangingPunct="1">
+      <a:defRPr sz="1200" kern="1200">
+        <a:solidFill>
+          <a:schemeClr val="tx1"/>
+        </a:solidFill>
+        <a:latin typeface="+mn-lt"/>
+        <a:ea typeface="+mn-ea"/>
+        <a:cs typeface="+mn-cs"/>
+      </a:defRPr>
+    </a:lvl4pPr>
+    <a:lvl5pPr marL="1828800" algn="l" defTabSz="914400" rtl="0" eaLnBrk="1" latinLnBrk="0" hangingPunct="1">
+      <a:defRPr sz="1200" kern="1200">
+        <a:solidFill>
+          <a:schemeClr val="tx1"/>
+        </a:solidFill>
+        <a:latin typeface="+mn-lt"/>
+        <a:ea typeface="+mn-ea"/>
+        <a:cs typeface="+mn-cs"/>
+      </a:defRPr>
+    </a:lvl5pPr>
+    <a:lvl6pPr marL="2286000" algn="l" defTabSz="914400" rtl="0" eaLnBrk="1" latinLnBrk="0" hangingPunct="1">
+      <a:defRPr sz="1200" kern="1200">
+        <a:solidFill>
+          <a:schemeClr val="tx1"/>
+        </a:solidFill>
+        <a:latin typeface="+mn-lt"/>
+        <a:ea typeface="+mn-ea"/>
+        <a:cs typeface="+mn-cs"/>
+      </a:defRPr>
+    </a:lvl6pPr>
+    <a:lvl7pPr marL="2743200" algn="l" defTabSz="914400" rtl="0" eaLnBrk="1" latinLnBrk="0" hangingPunct="1">
+      <a:defRPr sz="1200" kern="1200">
+        <a:solidFill>
+          <a:schemeClr val="tx1"/>
+        </a:solidFill>
+        <a:latin typeface="+mn-lt"/>
+        <a:ea typeface="+mn-ea"/>
+        <a:cs typeface="+mn-cs"/>
+      </a:defRPr>
+    </a:lvl7pPr>
+    <a:lvl8pPr marL="3200400" algn="l" defTabSz="914400" rtl="0" eaLnBrk="1" latinLnBrk="0" hangingPunct="1">
+      <a:defRPr sz="1200" kern="1200">
+        <a:solidFill>
+          <a:schemeClr val="tx1"/>
+        </a:solidFill>
+        <a:latin typeface="+mn-lt"/>
+        <a:ea typeface="+mn-ea"/>
+        <a:cs typeface="+mn-cs"/>
+      </a:defRPr>
+    </a:lvl8pPr>
+    <a:lvl9pPr marL="3657600" algn="l" defTabSz="914400" rtl="0" eaLnBrk="1" latinLnBrk="0" hangingPunct="1">
+      <a:defRPr sz="1200" kern="1200">
+        <a:solidFill>
+          <a:schemeClr val="tx1"/>
+        </a:solidFill>
+        <a:latin typeface="+mn-lt"/>
+        <a:ea typeface="+mn-ea"/>
+        <a:cs typeface="+mn-cs"/>
+      </a:defRPr>
+    </a:lvl9pPr>
+  </p:notesStyle>
+</p:notesMaster>
+</file>
+
+<file path=ppt/notesSlides/notesSlide1.xml><?xml version="1.0" encoding="utf-8"?>
+<p:notes xmlns:a="http://schemas.openxmlformats.org/drawingml/2006/main" xmlns:r="http://schemas.openxmlformats.org/officeDocument/2006/relationships" xmlns:p="http://schemas.openxmlformats.org/presentationml/2006/main">
+  <p:cSld>
+    <p:spTree>
+      <p:nvGrpSpPr>
+        <p:cNvPr id="1" name=""/>
+        <p:cNvGrpSpPr/>
+        <p:nvPr/>
+      </p:nvGrpSpPr>
+      <p:grpSpPr>
+        <a:xfrm>
+          <a:off x="0" y="0"/>
+          <a:ext cx="0" cy="0"/>
+          <a:chOff x="0" y="0"/>
+          <a:chExt cx="0" cy="0"/>
+        </a:xfrm>
+      </p:grpSpPr>
+      <p:sp>
+        <p:nvSpPr>
+          <p:cNvPr id="2" name="Slide Image Placeholder 1"/>
+          <p:cNvSpPr>
+            <a:spLocks noGrp="1" noRot="1" noChangeAspect="1"/>
+          </p:cNvSpPr>
+          <p:nvPr>
+            <p:ph type="sldImg"/>
+          </p:nvPr>
+        </p:nvSpPr>
+        <p:spPr/>
+      </p:sp>
+      <p:sp>
+        <p:nvSpPr>
+          <p:cNvPr id="3" name="Notes Placeholder 2"/>
+          <p:cNvSpPr>
+            <a:spLocks noGrp="1"/>
+          </p:cNvSpPr>
+          <p:nvPr>
+            <p:ph type="body" idx="1"/>
+          </p:nvPr>
+        </p:nvSpPr>
+        <p:spPr/>
+        <p:txBody>
+          <a:bodyPr/>
+          <a:lstStyle/>
+          <a:p>
+            <a:endParaRPr lang="en-US" dirty="0"/>
+          </a:p>
+        </p:txBody>
+      </p:sp>
+      <p:sp>
+        <p:nvSpPr>
+          <p:cNvPr id="4" name="Slide Number Placeholder 3"/>
+          <p:cNvSpPr>
+            <a:spLocks noGrp="1"/>
+          </p:cNvSpPr>
+          <p:nvPr>
+            <p:ph type="sldNum" sz="quarter" idx="5"/>
+          </p:nvPr>
+        </p:nvSpPr>
+        <p:spPr/>
+        <p:txBody>
+          <a:bodyPr/>
+          <a:lstStyle/>
+          <a:p>
+            <a:fld id="{5C927F9E-AA94-4775-9599-691CE494F09E}" type="slidenum">
+              <a:rPr lang="en-US" smtClean="0"/>
+              <a:t>10</a:t>
+            </a:fld>
+            <a:endParaRPr lang="en-US"/>
+          </a:p>
+        </p:txBody>
+      </p:sp>
+    </p:spTree>
+    <p:extLst>
+      <p:ext uri="{BB962C8B-B14F-4D97-AF65-F5344CB8AC3E}">
+        <p14:creationId xmlns:p14="http://schemas.microsoft.com/office/powerpoint/2010/main" val="2011282618"/>
+      </p:ext>
+    </p:extLst>
+  </p:cSld>
+  <p:clrMapOvr>
+    <a:masterClrMapping/>
+  </p:clrMapOvr>
+</p:notes>
+</file>
+
 <file path=ppt/slideLayouts/slideLayout1.xml><?xml version="1.0" encoding="utf-8"?>
 <p:sldLayout xmlns:a="http://schemas.openxmlformats.org/drawingml/2006/main" xmlns:r="http://schemas.openxmlformats.org/officeDocument/2006/relationships" xmlns:p="http://schemas.openxmlformats.org/presentationml/2006/main" type="title" preserve="1">
   <p:cSld name="Title Slide">
@@ -15684,6 +16121,90 @@
 <file path=ppt/slides/slide10.xml><?xml version="1.0" encoding="utf-8"?>
 <p:sld xmlns:a="http://schemas.openxmlformats.org/drawingml/2006/main" xmlns:r="http://schemas.openxmlformats.org/officeDocument/2006/relationships" xmlns:p="http://schemas.openxmlformats.org/presentationml/2006/main">
   <p:cSld>
+    <p:spTree>
+      <p:nvGrpSpPr>
+        <p:cNvPr id="1" name=""/>
+        <p:cNvGrpSpPr/>
+        <p:nvPr/>
+      </p:nvGrpSpPr>
+      <p:grpSpPr>
+        <a:xfrm>
+          <a:off x="0" y="0"/>
+          <a:ext cx="0" cy="0"/>
+          <a:chOff x="0" y="0"/>
+          <a:chExt cx="0" cy="0"/>
+        </a:xfrm>
+      </p:grpSpPr>
+      <p:sp>
+        <p:nvSpPr>
+          <p:cNvPr id="2" name="Title 1">
+            <a:extLst>
+              <a:ext uri="{FF2B5EF4-FFF2-40B4-BE49-F238E27FC236}">
+                <a16:creationId xmlns:a16="http://schemas.microsoft.com/office/drawing/2014/main" id="{417B9B57-85E0-B058-2794-5886DF89A74E}"/>
+              </a:ext>
+            </a:extLst>
+          </p:cNvPr>
+          <p:cNvSpPr>
+            <a:spLocks noGrp="1"/>
+          </p:cNvSpPr>
+          <p:nvPr>
+            <p:ph type="title"/>
+          </p:nvPr>
+        </p:nvSpPr>
+        <p:spPr/>
+        <p:txBody>
+          <a:bodyPr/>
+          <a:lstStyle/>
+          <a:p>
+            <a:endParaRPr lang="en-US"/>
+          </a:p>
+        </p:txBody>
+      </p:sp>
+      <p:pic>
+        <p:nvPicPr>
+          <p:cNvPr id="5" name="Content Placeholder 4" descr="A diagram of a flowchart&#10;&#10;Description automatically generated">
+            <a:extLst>
+              <a:ext uri="{FF2B5EF4-FFF2-40B4-BE49-F238E27FC236}">
+                <a16:creationId xmlns:a16="http://schemas.microsoft.com/office/drawing/2014/main" id="{44F32EEF-8750-F696-B550-9DEA3725F2A8}"/>
+              </a:ext>
+            </a:extLst>
+          </p:cNvPr>
+          <p:cNvPicPr>
+            <a:picLocks noGrp="1" noChangeAspect="1"/>
+          </p:cNvPicPr>
+          <p:nvPr>
+            <p:ph idx="1"/>
+          </p:nvPr>
+        </p:nvPicPr>
+        <p:blipFill>
+          <a:blip r:embed="rId3"/>
+          <a:stretch>
+            <a:fillRect/>
+          </a:stretch>
+        </p:blipFill>
+        <p:spPr>
+          <a:xfrm>
+            <a:off x="0" y="0"/>
+            <a:ext cx="12192000" cy="6857999"/>
+          </a:xfrm>
+        </p:spPr>
+      </p:pic>
+    </p:spTree>
+    <p:extLst>
+      <p:ext uri="{BB962C8B-B14F-4D97-AF65-F5344CB8AC3E}">
+        <p14:creationId xmlns:p14="http://schemas.microsoft.com/office/powerpoint/2010/main" val="1455740925"/>
+      </p:ext>
+    </p:extLst>
+  </p:cSld>
+  <p:clrMapOvr>
+    <a:masterClrMapping/>
+  </p:clrMapOvr>
+</p:sld>
+</file>
+
+<file path=ppt/slides/slide11.xml><?xml version="1.0" encoding="utf-8"?>
+<p:sld xmlns:a="http://schemas.openxmlformats.org/drawingml/2006/main" xmlns:r="http://schemas.openxmlformats.org/officeDocument/2006/relationships" xmlns:p="http://schemas.openxmlformats.org/presentationml/2006/main">
+  <p:cSld>
     <p:bg>
       <p:bgPr>
         <a:solidFill>
@@ -15900,962 +16421,6 @@
           </a:graphicData>
         </a:graphic>
       </p:graphicFrame>
-    </p:spTree>
-  </p:cSld>
-  <p:clrMapOvr>
-    <a:masterClrMapping/>
-  </p:clrMapOvr>
-</p:sld>
-</file>
-
-<file path=ppt/slides/slide11.xml><?xml version="1.0" encoding="utf-8"?>
-<p:sld xmlns:a="http://schemas.openxmlformats.org/drawingml/2006/main" xmlns:r="http://schemas.openxmlformats.org/officeDocument/2006/relationships" xmlns:p="http://schemas.openxmlformats.org/presentationml/2006/main">
-  <p:cSld>
-    <p:bg>
-      <p:bgPr>
-        <a:solidFill>
-          <a:schemeClr val="bg1"/>
-        </a:solidFill>
-        <a:effectLst/>
-      </p:bgPr>
-    </p:bg>
-    <p:spTree>
-      <p:nvGrpSpPr>
-        <p:cNvPr id="1" name=""/>
-        <p:cNvGrpSpPr/>
-        <p:nvPr/>
-      </p:nvGrpSpPr>
-      <p:grpSpPr>
-        <a:xfrm>
-          <a:off x="0" y="0"/>
-          <a:ext cx="0" cy="0"/>
-          <a:chOff x="0" y="0"/>
-          <a:chExt cx="0" cy="0"/>
-        </a:xfrm>
-      </p:grpSpPr>
-      <p:sp>
-        <p:nvSpPr>
-          <p:cNvPr id="8" name="Rectangle 7">
-            <a:extLst>
-              <a:ext uri="{FF2B5EF4-FFF2-40B4-BE49-F238E27FC236}">
-                <a16:creationId xmlns:a16="http://schemas.microsoft.com/office/drawing/2014/main" id="{B1CCD5EF-766D-43B9-A25D-19122E5FB181}"/>
-              </a:ext>
-              <a:ext uri="{C183D7F6-B498-43B3-948B-1728B52AA6E4}">
-                <adec:decorative xmlns:adec="http://schemas.microsoft.com/office/drawing/2017/decorative" val="1"/>
-              </a:ext>
-            </a:extLst>
-          </p:cNvPr>
-          <p:cNvSpPr>
-            <a:spLocks noGrp="1" noRot="1" noChangeAspect="1" noMove="1" noResize="1" noEditPoints="1" noAdjustHandles="1" noChangeArrowheads="1" noChangeShapeType="1" noTextEdit="1"/>
-          </p:cNvSpPr>
-          <p:nvPr>
-            <p:extLst>
-              <p:ext uri="{386F3935-93C4-4BCD-93E2-E3B085C9AB24}">
-                <p16:designElem xmlns:p16="http://schemas.microsoft.com/office/powerpoint/2015/main" val="1"/>
-              </p:ext>
-            </p:extLst>
-          </p:nvPr>
-        </p:nvSpPr>
-        <p:spPr>
-          <a:xfrm>
-            <a:off x="643467" y="643467"/>
-            <a:ext cx="10905065" cy="1989682"/>
-          </a:xfrm>
-          <a:prstGeom prst="rect">
-            <a:avLst/>
-          </a:prstGeom>
-          <a:solidFill>
-            <a:schemeClr val="accent1"/>
-          </a:solidFill>
-          <a:ln cap="sq">
-            <a:noFill/>
-            <a:miter lim="800000"/>
-          </a:ln>
-        </p:spPr>
-        <p:style>
-          <a:lnRef idx="2">
-            <a:schemeClr val="accent1">
-              <a:shade val="50000"/>
-            </a:schemeClr>
-          </a:lnRef>
-          <a:fillRef idx="1">
-            <a:schemeClr val="accent1"/>
-          </a:fillRef>
-          <a:effectRef idx="0">
-            <a:schemeClr val="accent1"/>
-          </a:effectRef>
-          <a:fontRef idx="minor">
-            <a:schemeClr val="lt1"/>
-          </a:fontRef>
-        </p:style>
-        <p:txBody>
-          <a:bodyPr rtlCol="0" anchor="ctr"/>
-          <a:lstStyle/>
-          <a:p>
-            <a:pPr algn="ctr"/>
-            <a:endParaRPr lang="en-US"/>
-          </a:p>
-        </p:txBody>
-      </p:sp>
-      <p:sp>
-        <p:nvSpPr>
-          <p:cNvPr id="10" name="Rectangle 9">
-            <a:extLst>
-              <a:ext uri="{FF2B5EF4-FFF2-40B4-BE49-F238E27FC236}">
-                <a16:creationId xmlns:a16="http://schemas.microsoft.com/office/drawing/2014/main" id="{FD9699C9-77F1-4E33-A750-CB78C7EA29E6}"/>
-              </a:ext>
-              <a:ext uri="{C183D7F6-B498-43B3-948B-1728B52AA6E4}">
-                <adec:decorative xmlns:adec="http://schemas.microsoft.com/office/drawing/2017/decorative" val="1"/>
-              </a:ext>
-            </a:extLst>
-          </p:cNvPr>
-          <p:cNvSpPr>
-            <a:spLocks noGrp="1" noRot="1" noChangeAspect="1" noMove="1" noResize="1" noEditPoints="1" noAdjustHandles="1" noChangeArrowheads="1" noChangeShapeType="1" noTextEdit="1"/>
-          </p:cNvSpPr>
-          <p:nvPr>
-            <p:extLst>
-              <p:ext uri="{386F3935-93C4-4BCD-93E2-E3B085C9AB24}">
-                <p16:designElem xmlns:p16="http://schemas.microsoft.com/office/powerpoint/2015/main" val="1"/>
-              </p:ext>
-            </p:extLst>
-          </p:nvPr>
-        </p:nvSpPr>
-        <p:spPr>
-          <a:xfrm>
-            <a:off x="806195" y="806204"/>
-            <a:ext cx="10579608" cy="1664208"/>
-          </a:xfrm>
-          <a:prstGeom prst="rect">
-            <a:avLst/>
-          </a:prstGeom>
-          <a:noFill/>
-          <a:ln cap="sq">
-            <a:solidFill>
-              <a:schemeClr val="bg1"/>
-            </a:solidFill>
-            <a:miter lim="800000"/>
-          </a:ln>
-        </p:spPr>
-        <p:style>
-          <a:lnRef idx="2">
-            <a:schemeClr val="accent1">
-              <a:shade val="50000"/>
-            </a:schemeClr>
-          </a:lnRef>
-          <a:fillRef idx="1">
-            <a:schemeClr val="accent1"/>
-          </a:fillRef>
-          <a:effectRef idx="0">
-            <a:schemeClr val="accent1"/>
-          </a:effectRef>
-          <a:fontRef idx="minor">
-            <a:schemeClr val="lt1"/>
-          </a:fontRef>
-        </p:style>
-        <p:txBody>
-          <a:bodyPr rtlCol="0" anchor="ctr"/>
-          <a:lstStyle/>
-          <a:p>
-            <a:pPr algn="ctr"/>
-            <a:endParaRPr lang="en-US"/>
-          </a:p>
-        </p:txBody>
-      </p:sp>
-      <p:sp>
-        <p:nvSpPr>
-          <p:cNvPr id="2" name="Title 1"/>
-          <p:cNvSpPr>
-            <a:spLocks noGrp="1"/>
-          </p:cNvSpPr>
-          <p:nvPr>
-            <p:ph type="title"/>
-          </p:nvPr>
-        </p:nvSpPr>
-        <p:spPr>
-          <a:xfrm>
-            <a:off x="1071846" y="1059736"/>
-            <a:ext cx="10040233" cy="1228130"/>
-          </a:xfrm>
-        </p:spPr>
-        <p:txBody>
-          <a:bodyPr>
-            <a:normAutofit/>
-          </a:bodyPr>
-          <a:lstStyle/>
-          <a:p>
-            <a:r>
-              <a:rPr lang="en-US" b="1" dirty="0" err="1">
-                <a:solidFill>
-                  <a:srgbClr val="FFFFFF"/>
-                </a:solidFill>
-                <a:latin typeface="Times New Roman" panose="02020603050405020304" pitchFamily="18" charset="0"/>
-                <a:cs typeface="Times New Roman" panose="02020603050405020304" pitchFamily="18" charset="0"/>
-              </a:rPr>
-              <a:t>Ứng</a:t>
-            </a:r>
-            <a:r>
-              <a:rPr lang="en-US" b="1" dirty="0">
-                <a:solidFill>
-                  <a:srgbClr val="FFFFFF"/>
-                </a:solidFill>
-                <a:latin typeface="Times New Roman" panose="02020603050405020304" pitchFamily="18" charset="0"/>
-                <a:cs typeface="Times New Roman" panose="02020603050405020304" pitchFamily="18" charset="0"/>
-              </a:rPr>
-              <a:t> </a:t>
-            </a:r>
-            <a:r>
-              <a:rPr lang="en-US" b="1" dirty="0" err="1">
-                <a:solidFill>
-                  <a:srgbClr val="FFFFFF"/>
-                </a:solidFill>
-                <a:latin typeface="Times New Roman" panose="02020603050405020304" pitchFamily="18" charset="0"/>
-                <a:cs typeface="Times New Roman" panose="02020603050405020304" pitchFamily="18" charset="0"/>
-              </a:rPr>
-              <a:t>dụng</a:t>
-            </a:r>
-            <a:r>
-              <a:rPr lang="en-US" b="1" dirty="0">
-                <a:solidFill>
-                  <a:srgbClr val="FFFFFF"/>
-                </a:solidFill>
-                <a:latin typeface="Times New Roman" panose="02020603050405020304" pitchFamily="18" charset="0"/>
-                <a:cs typeface="Times New Roman" panose="02020603050405020304" pitchFamily="18" charset="0"/>
-              </a:rPr>
-              <a:t> </a:t>
-            </a:r>
-            <a:r>
-              <a:rPr lang="en-US" b="1" dirty="0" err="1">
-                <a:solidFill>
-                  <a:srgbClr val="FFFFFF"/>
-                </a:solidFill>
-                <a:latin typeface="Times New Roman" panose="02020603050405020304" pitchFamily="18" charset="0"/>
-                <a:cs typeface="Times New Roman" panose="02020603050405020304" pitchFamily="18" charset="0"/>
-              </a:rPr>
-              <a:t>thực</a:t>
-            </a:r>
-            <a:r>
-              <a:rPr lang="en-US" b="1" dirty="0">
-                <a:solidFill>
-                  <a:srgbClr val="FFFFFF"/>
-                </a:solidFill>
-                <a:latin typeface="Times New Roman" panose="02020603050405020304" pitchFamily="18" charset="0"/>
-                <a:cs typeface="Times New Roman" panose="02020603050405020304" pitchFamily="18" charset="0"/>
-              </a:rPr>
-              <a:t> </a:t>
-            </a:r>
-            <a:r>
-              <a:rPr lang="en-US" b="1" dirty="0" err="1">
-                <a:solidFill>
-                  <a:srgbClr val="FFFFFF"/>
-                </a:solidFill>
-                <a:latin typeface="Times New Roman" panose="02020603050405020304" pitchFamily="18" charset="0"/>
-                <a:cs typeface="Times New Roman" panose="02020603050405020304" pitchFamily="18" charset="0"/>
-              </a:rPr>
-              <a:t>tiễn</a:t>
-            </a:r>
-            <a:endParaRPr lang="en-US" b="1" dirty="0">
-              <a:solidFill>
-                <a:srgbClr val="FFFFFF"/>
-              </a:solidFill>
-              <a:latin typeface="Times New Roman" panose="02020603050405020304" pitchFamily="18" charset="0"/>
-              <a:cs typeface="Times New Roman" panose="02020603050405020304" pitchFamily="18" charset="0"/>
-            </a:endParaRPr>
-          </a:p>
-        </p:txBody>
-      </p:sp>
-      <p:sp>
-        <p:nvSpPr>
-          <p:cNvPr id="3" name="Content Placeholder 2"/>
-          <p:cNvSpPr>
-            <a:spLocks noGrp="1"/>
-          </p:cNvSpPr>
-          <p:nvPr>
-            <p:ph idx="1"/>
-          </p:nvPr>
-        </p:nvSpPr>
-        <p:spPr>
-          <a:xfrm>
-            <a:off x="720793" y="2968708"/>
-            <a:ext cx="10742337" cy="3518927"/>
-          </a:xfrm>
-        </p:spPr>
-        <p:txBody>
-          <a:bodyPr>
-            <a:normAutofit/>
-          </a:bodyPr>
-          <a:lstStyle/>
-          <a:p>
-            <a:pPr>
-              <a:buFont typeface="Wingdings" panose="05000000000000000000" pitchFamily="2" charset="2"/>
-              <a:buChar char="q"/>
-            </a:pPr>
-            <a:r>
-              <a:rPr sz="3200" b="1" dirty="0" err="1">
-                <a:latin typeface="Times New Roman" panose="02020603050405020304" pitchFamily="18" charset="0"/>
-                <a:cs typeface="Times New Roman" panose="02020603050405020304" pitchFamily="18" charset="0"/>
-              </a:rPr>
-              <a:t>Ứng</a:t>
-            </a:r>
-            <a:r>
-              <a:rPr sz="3200" b="1" dirty="0">
-                <a:latin typeface="Times New Roman" panose="02020603050405020304" pitchFamily="18" charset="0"/>
-                <a:cs typeface="Times New Roman" panose="02020603050405020304" pitchFamily="18" charset="0"/>
-              </a:rPr>
-              <a:t> </a:t>
-            </a:r>
-            <a:r>
-              <a:rPr sz="3200" b="1" dirty="0" err="1">
-                <a:latin typeface="Times New Roman" panose="02020603050405020304" pitchFamily="18" charset="0"/>
-                <a:cs typeface="Times New Roman" panose="02020603050405020304" pitchFamily="18" charset="0"/>
-              </a:rPr>
-              <a:t>dụng</a:t>
-            </a:r>
-            <a:endParaRPr sz="3200" b="1" dirty="0">
-              <a:latin typeface="Times New Roman" panose="02020603050405020304" pitchFamily="18" charset="0"/>
-              <a:cs typeface="Times New Roman" panose="02020603050405020304" pitchFamily="18" charset="0"/>
-            </a:endParaRPr>
-          </a:p>
-          <a:p>
-            <a:pPr lvl="2">
-              <a:buFont typeface="Wingdings" panose="05000000000000000000" pitchFamily="2" charset="2"/>
-              <a:buChar char="Ø"/>
-            </a:pPr>
-            <a:r>
-              <a:rPr sz="2800" i="0" dirty="0" err="1">
-                <a:latin typeface="Times New Roman" panose="02020603050405020304" pitchFamily="18" charset="0"/>
-                <a:cs typeface="Times New Roman" panose="02020603050405020304" pitchFamily="18" charset="0"/>
-              </a:rPr>
-              <a:t>Bãi</a:t>
-            </a:r>
-            <a:r>
-              <a:rPr sz="2800" i="0" dirty="0">
-                <a:latin typeface="Times New Roman" panose="02020603050405020304" pitchFamily="18" charset="0"/>
-                <a:cs typeface="Times New Roman" panose="02020603050405020304" pitchFamily="18" charset="0"/>
-              </a:rPr>
-              <a:t> </a:t>
-            </a:r>
-            <a:r>
-              <a:rPr sz="2800" i="0" dirty="0" err="1">
-                <a:latin typeface="Times New Roman" panose="02020603050405020304" pitchFamily="18" charset="0"/>
-                <a:cs typeface="Times New Roman" panose="02020603050405020304" pitchFamily="18" charset="0"/>
-              </a:rPr>
-              <a:t>đỗ</a:t>
-            </a:r>
-            <a:r>
-              <a:rPr sz="2800" i="0" dirty="0">
-                <a:latin typeface="Times New Roman" panose="02020603050405020304" pitchFamily="18" charset="0"/>
-                <a:cs typeface="Times New Roman" panose="02020603050405020304" pitchFamily="18" charset="0"/>
-              </a:rPr>
-              <a:t> </a:t>
-            </a:r>
-            <a:r>
-              <a:rPr sz="2800" i="0" dirty="0" err="1">
-                <a:latin typeface="Times New Roman" panose="02020603050405020304" pitchFamily="18" charset="0"/>
-                <a:cs typeface="Times New Roman" panose="02020603050405020304" pitchFamily="18" charset="0"/>
-              </a:rPr>
-              <a:t>xe</a:t>
-            </a:r>
-            <a:r>
-              <a:rPr sz="2800" i="0" dirty="0">
-                <a:latin typeface="Times New Roman" panose="02020603050405020304" pitchFamily="18" charset="0"/>
-                <a:cs typeface="Times New Roman" panose="02020603050405020304" pitchFamily="18" charset="0"/>
-              </a:rPr>
-              <a:t> </a:t>
-            </a:r>
-            <a:r>
-              <a:rPr sz="2800" i="0" dirty="0" err="1">
-                <a:latin typeface="Times New Roman" panose="02020603050405020304" pitchFamily="18" charset="0"/>
-                <a:cs typeface="Times New Roman" panose="02020603050405020304" pitchFamily="18" charset="0"/>
-              </a:rPr>
-              <a:t>công</a:t>
-            </a:r>
-            <a:r>
-              <a:rPr sz="2800" i="0" dirty="0">
-                <a:latin typeface="Times New Roman" panose="02020603050405020304" pitchFamily="18" charset="0"/>
-                <a:cs typeface="Times New Roman" panose="02020603050405020304" pitchFamily="18" charset="0"/>
-              </a:rPr>
-              <a:t> </a:t>
-            </a:r>
-            <a:r>
-              <a:rPr sz="2800" i="0" dirty="0" err="1">
-                <a:latin typeface="Times New Roman" panose="02020603050405020304" pitchFamily="18" charset="0"/>
-                <a:cs typeface="Times New Roman" panose="02020603050405020304" pitchFamily="18" charset="0"/>
-              </a:rPr>
-              <a:t>cộng</a:t>
-            </a:r>
-            <a:r>
-              <a:rPr sz="2800" i="0" dirty="0">
-                <a:latin typeface="Times New Roman" panose="02020603050405020304" pitchFamily="18" charset="0"/>
-                <a:cs typeface="Times New Roman" panose="02020603050405020304" pitchFamily="18" charset="0"/>
-              </a:rPr>
-              <a:t> </a:t>
-            </a:r>
-            <a:r>
-              <a:rPr sz="2800" i="0" dirty="0" err="1">
-                <a:latin typeface="Times New Roman" panose="02020603050405020304" pitchFamily="18" charset="0"/>
-                <a:cs typeface="Times New Roman" panose="02020603050405020304" pitchFamily="18" charset="0"/>
-              </a:rPr>
-              <a:t>tại</a:t>
-            </a:r>
-            <a:r>
-              <a:rPr sz="2800" i="0" dirty="0">
-                <a:latin typeface="Times New Roman" panose="02020603050405020304" pitchFamily="18" charset="0"/>
-                <a:cs typeface="Times New Roman" panose="02020603050405020304" pitchFamily="18" charset="0"/>
-              </a:rPr>
-              <a:t> </a:t>
-            </a:r>
-            <a:r>
-              <a:rPr sz="2800" i="0" dirty="0" err="1">
-                <a:latin typeface="Times New Roman" panose="02020603050405020304" pitchFamily="18" charset="0"/>
-                <a:cs typeface="Times New Roman" panose="02020603050405020304" pitchFamily="18" charset="0"/>
-              </a:rPr>
-              <a:t>các</a:t>
-            </a:r>
-            <a:r>
-              <a:rPr sz="2800" i="0" dirty="0">
-                <a:latin typeface="Times New Roman" panose="02020603050405020304" pitchFamily="18" charset="0"/>
-                <a:cs typeface="Times New Roman" panose="02020603050405020304" pitchFamily="18" charset="0"/>
-              </a:rPr>
-              <a:t> </a:t>
-            </a:r>
-            <a:r>
-              <a:rPr sz="2800" i="0" dirty="0" err="1">
-                <a:latin typeface="Times New Roman" panose="02020603050405020304" pitchFamily="18" charset="0"/>
-                <a:cs typeface="Times New Roman" panose="02020603050405020304" pitchFamily="18" charset="0"/>
-              </a:rPr>
-              <a:t>trung</a:t>
-            </a:r>
-            <a:r>
-              <a:rPr sz="2800" i="0" dirty="0">
-                <a:latin typeface="Times New Roman" panose="02020603050405020304" pitchFamily="18" charset="0"/>
-                <a:cs typeface="Times New Roman" panose="02020603050405020304" pitchFamily="18" charset="0"/>
-              </a:rPr>
-              <a:t> </a:t>
-            </a:r>
-            <a:r>
-              <a:rPr sz="2800" i="0" dirty="0" err="1">
-                <a:latin typeface="Times New Roman" panose="02020603050405020304" pitchFamily="18" charset="0"/>
-                <a:cs typeface="Times New Roman" panose="02020603050405020304" pitchFamily="18" charset="0"/>
-              </a:rPr>
-              <a:t>tâm</a:t>
-            </a:r>
-            <a:r>
-              <a:rPr sz="2800" i="0" dirty="0">
-                <a:latin typeface="Times New Roman" panose="02020603050405020304" pitchFamily="18" charset="0"/>
-                <a:cs typeface="Times New Roman" panose="02020603050405020304" pitchFamily="18" charset="0"/>
-              </a:rPr>
-              <a:t> </a:t>
-            </a:r>
-            <a:r>
-              <a:rPr sz="2800" i="0" dirty="0" err="1">
-                <a:latin typeface="Times New Roman" panose="02020603050405020304" pitchFamily="18" charset="0"/>
-                <a:cs typeface="Times New Roman" panose="02020603050405020304" pitchFamily="18" charset="0"/>
-              </a:rPr>
-              <a:t>thương</a:t>
-            </a:r>
-            <a:r>
-              <a:rPr sz="2800" i="0" dirty="0">
-                <a:latin typeface="Times New Roman" panose="02020603050405020304" pitchFamily="18" charset="0"/>
-                <a:cs typeface="Times New Roman" panose="02020603050405020304" pitchFamily="18" charset="0"/>
-              </a:rPr>
-              <a:t> </a:t>
-            </a:r>
-            <a:r>
-              <a:rPr sz="2800" i="0" dirty="0" err="1">
-                <a:latin typeface="Times New Roman" panose="02020603050405020304" pitchFamily="18" charset="0"/>
-                <a:cs typeface="Times New Roman" panose="02020603050405020304" pitchFamily="18" charset="0"/>
-              </a:rPr>
-              <a:t>mại</a:t>
-            </a:r>
-            <a:r>
-              <a:rPr sz="2800" i="0" dirty="0">
-                <a:latin typeface="Times New Roman" panose="02020603050405020304" pitchFamily="18" charset="0"/>
-                <a:cs typeface="Times New Roman" panose="02020603050405020304" pitchFamily="18" charset="0"/>
-              </a:rPr>
-              <a:t>, </a:t>
-            </a:r>
-            <a:r>
-              <a:rPr sz="2800" i="0" dirty="0" err="1">
-                <a:latin typeface="Times New Roman" panose="02020603050405020304" pitchFamily="18" charset="0"/>
-                <a:cs typeface="Times New Roman" panose="02020603050405020304" pitchFamily="18" charset="0"/>
-              </a:rPr>
-              <a:t>tòa</a:t>
-            </a:r>
-            <a:r>
-              <a:rPr sz="2800" i="0" dirty="0">
-                <a:latin typeface="Times New Roman" panose="02020603050405020304" pitchFamily="18" charset="0"/>
-                <a:cs typeface="Times New Roman" panose="02020603050405020304" pitchFamily="18" charset="0"/>
-              </a:rPr>
-              <a:t> </a:t>
-            </a:r>
-            <a:r>
-              <a:rPr sz="2800" i="0" dirty="0" err="1">
-                <a:latin typeface="Times New Roman" panose="02020603050405020304" pitchFamily="18" charset="0"/>
-                <a:cs typeface="Times New Roman" panose="02020603050405020304" pitchFamily="18" charset="0"/>
-              </a:rPr>
-              <a:t>nhà</a:t>
-            </a:r>
-            <a:r>
-              <a:rPr sz="2800" i="0" dirty="0">
-                <a:latin typeface="Times New Roman" panose="02020603050405020304" pitchFamily="18" charset="0"/>
-                <a:cs typeface="Times New Roman" panose="02020603050405020304" pitchFamily="18" charset="0"/>
-              </a:rPr>
-              <a:t> </a:t>
-            </a:r>
-            <a:r>
-              <a:rPr sz="2800" i="0" dirty="0" err="1">
-                <a:latin typeface="Times New Roman" panose="02020603050405020304" pitchFamily="18" charset="0"/>
-                <a:cs typeface="Times New Roman" panose="02020603050405020304" pitchFamily="18" charset="0"/>
-              </a:rPr>
-              <a:t>văn</a:t>
-            </a:r>
-            <a:r>
-              <a:rPr sz="2800" i="0" dirty="0">
-                <a:latin typeface="Times New Roman" panose="02020603050405020304" pitchFamily="18" charset="0"/>
-                <a:cs typeface="Times New Roman" panose="02020603050405020304" pitchFamily="18" charset="0"/>
-              </a:rPr>
-              <a:t> </a:t>
-            </a:r>
-            <a:r>
-              <a:rPr sz="2800" i="0" dirty="0" err="1">
-                <a:latin typeface="Times New Roman" panose="02020603050405020304" pitchFamily="18" charset="0"/>
-                <a:cs typeface="Times New Roman" panose="02020603050405020304" pitchFamily="18" charset="0"/>
-              </a:rPr>
-              <a:t>phòng</a:t>
-            </a:r>
-            <a:r>
-              <a:rPr sz="2800" i="0" dirty="0">
-                <a:latin typeface="Times New Roman" panose="02020603050405020304" pitchFamily="18" charset="0"/>
-                <a:cs typeface="Times New Roman" panose="02020603050405020304" pitchFamily="18" charset="0"/>
-              </a:rPr>
-              <a:t>.</a:t>
-            </a:r>
-          </a:p>
-          <a:p>
-            <a:pPr lvl="2">
-              <a:buFont typeface="Wingdings" panose="05000000000000000000" pitchFamily="2" charset="2"/>
-              <a:buChar char="Ø"/>
-            </a:pPr>
-            <a:r>
-              <a:rPr sz="2800" i="0" dirty="0" err="1">
-                <a:latin typeface="Times New Roman" panose="02020603050405020304" pitchFamily="18" charset="0"/>
-                <a:cs typeface="Times New Roman" panose="02020603050405020304" pitchFamily="18" charset="0"/>
-              </a:rPr>
-              <a:t>Trường</a:t>
-            </a:r>
-            <a:r>
-              <a:rPr sz="2800" i="0" dirty="0">
-                <a:latin typeface="Times New Roman" panose="02020603050405020304" pitchFamily="18" charset="0"/>
-                <a:cs typeface="Times New Roman" panose="02020603050405020304" pitchFamily="18" charset="0"/>
-              </a:rPr>
-              <a:t> </a:t>
-            </a:r>
-            <a:r>
-              <a:rPr sz="2800" i="0" dirty="0" err="1">
-                <a:latin typeface="Times New Roman" panose="02020603050405020304" pitchFamily="18" charset="0"/>
-                <a:cs typeface="Times New Roman" panose="02020603050405020304" pitchFamily="18" charset="0"/>
-              </a:rPr>
-              <a:t>học</a:t>
-            </a:r>
-            <a:r>
-              <a:rPr sz="2800" i="0" dirty="0">
-                <a:latin typeface="Times New Roman" panose="02020603050405020304" pitchFamily="18" charset="0"/>
-                <a:cs typeface="Times New Roman" panose="02020603050405020304" pitchFamily="18" charset="0"/>
-              </a:rPr>
-              <a:t>, </a:t>
-            </a:r>
-            <a:r>
-              <a:rPr sz="2800" i="0" dirty="0" err="1">
-                <a:latin typeface="Times New Roman" panose="02020603050405020304" pitchFamily="18" charset="0"/>
-                <a:cs typeface="Times New Roman" panose="02020603050405020304" pitchFamily="18" charset="0"/>
-              </a:rPr>
-              <a:t>khu</a:t>
-            </a:r>
-            <a:r>
-              <a:rPr sz="2800" i="0" dirty="0">
-                <a:latin typeface="Times New Roman" panose="02020603050405020304" pitchFamily="18" charset="0"/>
-                <a:cs typeface="Times New Roman" panose="02020603050405020304" pitchFamily="18" charset="0"/>
-              </a:rPr>
-              <a:t> </a:t>
-            </a:r>
-            <a:r>
-              <a:rPr sz="2800" i="0" dirty="0" err="1">
-                <a:latin typeface="Times New Roman" panose="02020603050405020304" pitchFamily="18" charset="0"/>
-                <a:cs typeface="Times New Roman" panose="02020603050405020304" pitchFamily="18" charset="0"/>
-              </a:rPr>
-              <a:t>dân</a:t>
-            </a:r>
-            <a:r>
-              <a:rPr sz="2800" i="0" dirty="0">
-                <a:latin typeface="Times New Roman" panose="02020603050405020304" pitchFamily="18" charset="0"/>
-                <a:cs typeface="Times New Roman" panose="02020603050405020304" pitchFamily="18" charset="0"/>
-              </a:rPr>
-              <a:t> </a:t>
-            </a:r>
-            <a:r>
-              <a:rPr sz="2800" i="0" dirty="0" err="1">
-                <a:latin typeface="Times New Roman" panose="02020603050405020304" pitchFamily="18" charset="0"/>
-                <a:cs typeface="Times New Roman" panose="02020603050405020304" pitchFamily="18" charset="0"/>
-              </a:rPr>
-              <a:t>cư</a:t>
-            </a:r>
-            <a:r>
-              <a:rPr sz="2800" i="0" dirty="0">
-                <a:latin typeface="Times New Roman" panose="02020603050405020304" pitchFamily="18" charset="0"/>
-                <a:cs typeface="Times New Roman" panose="02020603050405020304" pitchFamily="18" charset="0"/>
-              </a:rPr>
-              <a:t>, </a:t>
-            </a:r>
-            <a:r>
-              <a:rPr sz="2800" i="0" dirty="0" err="1">
-                <a:latin typeface="Times New Roman" panose="02020603050405020304" pitchFamily="18" charset="0"/>
-                <a:cs typeface="Times New Roman" panose="02020603050405020304" pitchFamily="18" charset="0"/>
-              </a:rPr>
-              <a:t>bệnh</a:t>
-            </a:r>
-            <a:r>
-              <a:rPr sz="2800" i="0" dirty="0">
-                <a:latin typeface="Times New Roman" panose="02020603050405020304" pitchFamily="18" charset="0"/>
-                <a:cs typeface="Times New Roman" panose="02020603050405020304" pitchFamily="18" charset="0"/>
-              </a:rPr>
-              <a:t> </a:t>
-            </a:r>
-            <a:r>
-              <a:rPr sz="2800" i="0" dirty="0" err="1">
-                <a:latin typeface="Times New Roman" panose="02020603050405020304" pitchFamily="18" charset="0"/>
-                <a:cs typeface="Times New Roman" panose="02020603050405020304" pitchFamily="18" charset="0"/>
-              </a:rPr>
-              <a:t>viện</a:t>
-            </a:r>
-            <a:r>
-              <a:rPr sz="2800" i="0" dirty="0">
-                <a:latin typeface="Times New Roman" panose="02020603050405020304" pitchFamily="18" charset="0"/>
-                <a:cs typeface="Times New Roman" panose="02020603050405020304" pitchFamily="18" charset="0"/>
-              </a:rPr>
-              <a:t>.</a:t>
-            </a:r>
-            <a:endParaRPr sz="2400" i="0" dirty="0">
-              <a:latin typeface="Times New Roman" panose="02020603050405020304" pitchFamily="18" charset="0"/>
-              <a:cs typeface="Times New Roman" panose="02020603050405020304" pitchFamily="18" charset="0"/>
-            </a:endParaRPr>
-          </a:p>
-          <a:p>
-            <a:pPr>
-              <a:buFont typeface="Wingdings" panose="05000000000000000000" pitchFamily="2" charset="2"/>
-              <a:buChar char="q"/>
-            </a:pPr>
-            <a:r>
-              <a:rPr sz="3200" b="1" dirty="0" err="1">
-                <a:latin typeface="Times New Roman" panose="02020603050405020304" pitchFamily="18" charset="0"/>
-                <a:cs typeface="Times New Roman" panose="02020603050405020304" pitchFamily="18" charset="0"/>
-              </a:rPr>
-              <a:t>Mở</a:t>
-            </a:r>
-            <a:r>
-              <a:rPr sz="3200" b="1" dirty="0">
-                <a:latin typeface="Times New Roman" panose="02020603050405020304" pitchFamily="18" charset="0"/>
-                <a:cs typeface="Times New Roman" panose="02020603050405020304" pitchFamily="18" charset="0"/>
-              </a:rPr>
-              <a:t> </a:t>
-            </a:r>
-            <a:r>
-              <a:rPr sz="3200" b="1" dirty="0" err="1">
-                <a:latin typeface="Times New Roman" panose="02020603050405020304" pitchFamily="18" charset="0"/>
-                <a:cs typeface="Times New Roman" panose="02020603050405020304" pitchFamily="18" charset="0"/>
-              </a:rPr>
-              <a:t>rộng</a:t>
-            </a:r>
-            <a:endParaRPr sz="3200" b="1" dirty="0">
-              <a:latin typeface="Times New Roman" panose="02020603050405020304" pitchFamily="18" charset="0"/>
-              <a:cs typeface="Times New Roman" panose="02020603050405020304" pitchFamily="18" charset="0"/>
-            </a:endParaRPr>
-          </a:p>
-          <a:p>
-            <a:pPr lvl="2">
-              <a:lnSpc>
-                <a:spcPct val="95000"/>
-              </a:lnSpc>
-              <a:buFont typeface="Wingdings" panose="05000000000000000000" pitchFamily="2" charset="2"/>
-              <a:buChar char="Ø"/>
-            </a:pPr>
-            <a:r>
-              <a:rPr sz="2800" i="0" dirty="0" err="1">
-                <a:latin typeface="Times New Roman" panose="02020603050405020304" pitchFamily="18" charset="0"/>
-                <a:cs typeface="Times New Roman" panose="02020603050405020304" pitchFamily="18" charset="0"/>
-              </a:rPr>
-              <a:t>Quản</a:t>
-            </a:r>
-            <a:r>
-              <a:rPr sz="2800" i="0" dirty="0">
-                <a:latin typeface="Times New Roman" panose="02020603050405020304" pitchFamily="18" charset="0"/>
-                <a:cs typeface="Times New Roman" panose="02020603050405020304" pitchFamily="18" charset="0"/>
-              </a:rPr>
-              <a:t> </a:t>
-            </a:r>
-            <a:r>
-              <a:rPr sz="2800" i="0" dirty="0" err="1">
-                <a:latin typeface="Times New Roman" panose="02020603050405020304" pitchFamily="18" charset="0"/>
-                <a:cs typeface="Times New Roman" panose="02020603050405020304" pitchFamily="18" charset="0"/>
-              </a:rPr>
-              <a:t>lý</a:t>
-            </a:r>
-            <a:r>
-              <a:rPr sz="2800" i="0" dirty="0">
-                <a:latin typeface="Times New Roman" panose="02020603050405020304" pitchFamily="18" charset="0"/>
-                <a:cs typeface="Times New Roman" panose="02020603050405020304" pitchFamily="18" charset="0"/>
-              </a:rPr>
-              <a:t> </a:t>
-            </a:r>
-            <a:r>
-              <a:rPr sz="2800" i="0" dirty="0" err="1">
-                <a:latin typeface="Times New Roman" panose="02020603050405020304" pitchFamily="18" charset="0"/>
-                <a:cs typeface="Times New Roman" panose="02020603050405020304" pitchFamily="18" charset="0"/>
-              </a:rPr>
-              <a:t>bãi</a:t>
-            </a:r>
-            <a:r>
-              <a:rPr sz="2800" i="0" dirty="0">
-                <a:latin typeface="Times New Roman" panose="02020603050405020304" pitchFamily="18" charset="0"/>
-                <a:cs typeface="Times New Roman" panose="02020603050405020304" pitchFamily="18" charset="0"/>
-              </a:rPr>
-              <a:t> </a:t>
-            </a:r>
-            <a:r>
-              <a:rPr sz="2800" i="0" dirty="0" err="1">
-                <a:latin typeface="Times New Roman" panose="02020603050405020304" pitchFamily="18" charset="0"/>
-                <a:cs typeface="Times New Roman" panose="02020603050405020304" pitchFamily="18" charset="0"/>
-              </a:rPr>
-              <a:t>đỗ</a:t>
-            </a:r>
-            <a:r>
-              <a:rPr sz="2800" i="0" dirty="0">
-                <a:latin typeface="Times New Roman" panose="02020603050405020304" pitchFamily="18" charset="0"/>
-                <a:cs typeface="Times New Roman" panose="02020603050405020304" pitchFamily="18" charset="0"/>
-              </a:rPr>
-              <a:t> </a:t>
-            </a:r>
-            <a:r>
-              <a:rPr sz="2800" i="0" dirty="0" err="1">
-                <a:latin typeface="Times New Roman" panose="02020603050405020304" pitchFamily="18" charset="0"/>
-                <a:cs typeface="Times New Roman" panose="02020603050405020304" pitchFamily="18" charset="0"/>
-              </a:rPr>
-              <a:t>xe</a:t>
-            </a:r>
-            <a:r>
-              <a:rPr sz="2800" i="0" dirty="0">
-                <a:latin typeface="Times New Roman" panose="02020603050405020304" pitchFamily="18" charset="0"/>
-                <a:cs typeface="Times New Roman" panose="02020603050405020304" pitchFamily="18" charset="0"/>
-              </a:rPr>
-              <a:t> </a:t>
-            </a:r>
-            <a:r>
-              <a:rPr sz="2800" i="0" dirty="0" err="1">
-                <a:latin typeface="Times New Roman" panose="02020603050405020304" pitchFamily="18" charset="0"/>
-                <a:cs typeface="Times New Roman" panose="02020603050405020304" pitchFamily="18" charset="0"/>
-              </a:rPr>
-              <a:t>tự</a:t>
-            </a:r>
-            <a:r>
-              <a:rPr sz="2800" i="0" dirty="0">
-                <a:latin typeface="Times New Roman" panose="02020603050405020304" pitchFamily="18" charset="0"/>
-                <a:cs typeface="Times New Roman" panose="02020603050405020304" pitchFamily="18" charset="0"/>
-              </a:rPr>
-              <a:t> </a:t>
-            </a:r>
-            <a:r>
-              <a:rPr sz="2800" i="0" dirty="0" err="1">
-                <a:latin typeface="Times New Roman" panose="02020603050405020304" pitchFamily="18" charset="0"/>
-                <a:cs typeface="Times New Roman" panose="02020603050405020304" pitchFamily="18" charset="0"/>
-              </a:rPr>
-              <a:t>động</a:t>
-            </a:r>
-            <a:r>
-              <a:rPr sz="2800" i="0" dirty="0">
-                <a:latin typeface="Times New Roman" panose="02020603050405020304" pitchFamily="18" charset="0"/>
-                <a:cs typeface="Times New Roman" panose="02020603050405020304" pitchFamily="18" charset="0"/>
-              </a:rPr>
-              <a:t> </a:t>
-            </a:r>
-            <a:r>
-              <a:rPr sz="2800" i="0" dirty="0" err="1">
-                <a:latin typeface="Times New Roman" panose="02020603050405020304" pitchFamily="18" charset="0"/>
-                <a:cs typeface="Times New Roman" panose="02020603050405020304" pitchFamily="18" charset="0"/>
-              </a:rPr>
-              <a:t>với</a:t>
-            </a:r>
-            <a:r>
-              <a:rPr sz="2800" i="0" dirty="0">
-                <a:latin typeface="Times New Roman" panose="02020603050405020304" pitchFamily="18" charset="0"/>
-                <a:cs typeface="Times New Roman" panose="02020603050405020304" pitchFamily="18" charset="0"/>
-              </a:rPr>
-              <a:t> </a:t>
-            </a:r>
-            <a:r>
-              <a:rPr sz="2800" i="0" dirty="0" err="1">
-                <a:latin typeface="Times New Roman" panose="02020603050405020304" pitchFamily="18" charset="0"/>
-                <a:cs typeface="Times New Roman" panose="02020603050405020304" pitchFamily="18" charset="0"/>
-              </a:rPr>
-              <a:t>quy</a:t>
-            </a:r>
-            <a:r>
-              <a:rPr sz="2800" i="0" dirty="0">
-                <a:latin typeface="Times New Roman" panose="02020603050405020304" pitchFamily="18" charset="0"/>
-                <a:cs typeface="Times New Roman" panose="02020603050405020304" pitchFamily="18" charset="0"/>
-              </a:rPr>
-              <a:t> </a:t>
-            </a:r>
-            <a:r>
-              <a:rPr sz="2800" i="0" dirty="0" err="1">
-                <a:latin typeface="Times New Roman" panose="02020603050405020304" pitchFamily="18" charset="0"/>
-                <a:cs typeface="Times New Roman" panose="02020603050405020304" pitchFamily="18" charset="0"/>
-              </a:rPr>
-              <a:t>mô</a:t>
-            </a:r>
-            <a:r>
-              <a:rPr sz="2800" i="0" dirty="0">
-                <a:latin typeface="Times New Roman" panose="02020603050405020304" pitchFamily="18" charset="0"/>
-                <a:cs typeface="Times New Roman" panose="02020603050405020304" pitchFamily="18" charset="0"/>
-              </a:rPr>
-              <a:t> </a:t>
-            </a:r>
-            <a:r>
-              <a:rPr sz="2800" i="0" dirty="0" err="1">
-                <a:latin typeface="Times New Roman" panose="02020603050405020304" pitchFamily="18" charset="0"/>
-                <a:cs typeface="Times New Roman" panose="02020603050405020304" pitchFamily="18" charset="0"/>
-              </a:rPr>
-              <a:t>lớn</a:t>
-            </a:r>
-            <a:r>
-              <a:rPr sz="2800" i="0" dirty="0">
-                <a:latin typeface="Times New Roman" panose="02020603050405020304" pitchFamily="18" charset="0"/>
-                <a:cs typeface="Times New Roman" panose="02020603050405020304" pitchFamily="18" charset="0"/>
-              </a:rPr>
-              <a:t>.</a:t>
-            </a:r>
-          </a:p>
-          <a:p>
-            <a:pPr lvl="2">
-              <a:lnSpc>
-                <a:spcPct val="95000"/>
-              </a:lnSpc>
-              <a:buFont typeface="Wingdings" panose="05000000000000000000" pitchFamily="2" charset="2"/>
-              <a:buChar char="Ø"/>
-            </a:pPr>
-            <a:r>
-              <a:rPr sz="2800" i="0" dirty="0" err="1">
-                <a:latin typeface="Times New Roman" panose="02020603050405020304" pitchFamily="18" charset="0"/>
-                <a:cs typeface="Times New Roman" panose="02020603050405020304" pitchFamily="18" charset="0"/>
-              </a:rPr>
-              <a:t>Tích</a:t>
-            </a:r>
-            <a:r>
-              <a:rPr sz="2800" i="0" dirty="0">
-                <a:latin typeface="Times New Roman" panose="02020603050405020304" pitchFamily="18" charset="0"/>
-                <a:cs typeface="Times New Roman" panose="02020603050405020304" pitchFamily="18" charset="0"/>
-              </a:rPr>
-              <a:t> </a:t>
-            </a:r>
-            <a:r>
-              <a:rPr sz="2800" i="0" dirty="0" err="1">
-                <a:latin typeface="Times New Roman" panose="02020603050405020304" pitchFamily="18" charset="0"/>
-                <a:cs typeface="Times New Roman" panose="02020603050405020304" pitchFamily="18" charset="0"/>
-              </a:rPr>
-              <a:t>hợp</a:t>
-            </a:r>
-            <a:r>
-              <a:rPr sz="2800" i="0" dirty="0">
-                <a:latin typeface="Times New Roman" panose="02020603050405020304" pitchFamily="18" charset="0"/>
-                <a:cs typeface="Times New Roman" panose="02020603050405020304" pitchFamily="18" charset="0"/>
-              </a:rPr>
-              <a:t> </a:t>
-            </a:r>
-            <a:r>
-              <a:rPr sz="2800" i="0" dirty="0" err="1">
-                <a:latin typeface="Times New Roman" panose="02020603050405020304" pitchFamily="18" charset="0"/>
-                <a:cs typeface="Times New Roman" panose="02020603050405020304" pitchFamily="18" charset="0"/>
-              </a:rPr>
-              <a:t>hệ</a:t>
-            </a:r>
-            <a:r>
-              <a:rPr sz="2800" i="0" dirty="0">
-                <a:latin typeface="Times New Roman" panose="02020603050405020304" pitchFamily="18" charset="0"/>
-                <a:cs typeface="Times New Roman" panose="02020603050405020304" pitchFamily="18" charset="0"/>
-              </a:rPr>
-              <a:t> </a:t>
-            </a:r>
-            <a:r>
-              <a:rPr sz="2800" i="0" dirty="0" err="1">
-                <a:latin typeface="Times New Roman" panose="02020603050405020304" pitchFamily="18" charset="0"/>
-                <a:cs typeface="Times New Roman" panose="02020603050405020304" pitchFamily="18" charset="0"/>
-              </a:rPr>
-              <a:t>thống</a:t>
-            </a:r>
-            <a:r>
-              <a:rPr sz="2800" i="0" dirty="0">
-                <a:latin typeface="Times New Roman" panose="02020603050405020304" pitchFamily="18" charset="0"/>
-                <a:cs typeface="Times New Roman" panose="02020603050405020304" pitchFamily="18" charset="0"/>
-              </a:rPr>
-              <a:t> </a:t>
-            </a:r>
-            <a:r>
-              <a:rPr sz="2800" i="0" dirty="0" err="1">
-                <a:latin typeface="Times New Roman" panose="02020603050405020304" pitchFamily="18" charset="0"/>
-                <a:cs typeface="Times New Roman" panose="02020603050405020304" pitchFamily="18" charset="0"/>
-              </a:rPr>
-              <a:t>thanh</a:t>
-            </a:r>
-            <a:r>
-              <a:rPr sz="2800" i="0" dirty="0">
-                <a:latin typeface="Times New Roman" panose="02020603050405020304" pitchFamily="18" charset="0"/>
-                <a:cs typeface="Times New Roman" panose="02020603050405020304" pitchFamily="18" charset="0"/>
-              </a:rPr>
-              <a:t> </a:t>
-            </a:r>
-            <a:r>
-              <a:rPr sz="2800" i="0" dirty="0" err="1">
-                <a:latin typeface="Times New Roman" panose="02020603050405020304" pitchFamily="18" charset="0"/>
-                <a:cs typeface="Times New Roman" panose="02020603050405020304" pitchFamily="18" charset="0"/>
-              </a:rPr>
-              <a:t>toán</a:t>
-            </a:r>
-            <a:r>
-              <a:rPr sz="2800" i="0" dirty="0">
-                <a:latin typeface="Times New Roman" panose="02020603050405020304" pitchFamily="18" charset="0"/>
-                <a:cs typeface="Times New Roman" panose="02020603050405020304" pitchFamily="18" charset="0"/>
-              </a:rPr>
-              <a:t> </a:t>
-            </a:r>
-            <a:r>
-              <a:rPr sz="2800" i="0" dirty="0" err="1">
-                <a:latin typeface="Times New Roman" panose="02020603050405020304" pitchFamily="18" charset="0"/>
-                <a:cs typeface="Times New Roman" panose="02020603050405020304" pitchFamily="18" charset="0"/>
-              </a:rPr>
-              <a:t>không</a:t>
-            </a:r>
-            <a:r>
-              <a:rPr sz="2800" i="0" dirty="0">
-                <a:latin typeface="Times New Roman" panose="02020603050405020304" pitchFamily="18" charset="0"/>
-                <a:cs typeface="Times New Roman" panose="02020603050405020304" pitchFamily="18" charset="0"/>
-              </a:rPr>
-              <a:t> </a:t>
-            </a:r>
-            <a:r>
-              <a:rPr sz="2800" i="0" dirty="0" err="1">
-                <a:latin typeface="Times New Roman" panose="02020603050405020304" pitchFamily="18" charset="0"/>
-                <a:cs typeface="Times New Roman" panose="02020603050405020304" pitchFamily="18" charset="0"/>
-              </a:rPr>
-              <a:t>chạm</a:t>
-            </a:r>
-            <a:r>
-              <a:rPr sz="2800" i="0" dirty="0">
-                <a:latin typeface="Times New Roman" panose="02020603050405020304" pitchFamily="18" charset="0"/>
-                <a:cs typeface="Times New Roman" panose="02020603050405020304" pitchFamily="18" charset="0"/>
-              </a:rPr>
-              <a:t>.</a:t>
-            </a:r>
-          </a:p>
-        </p:txBody>
-      </p:sp>
     </p:spTree>
   </p:cSld>
   <p:clrMapOvr>
@@ -17047,6 +16612,962 @@
                 <a:latin typeface="Times New Roman" panose="02020603050405020304" pitchFamily="18" charset="0"/>
                 <a:cs typeface="Times New Roman" panose="02020603050405020304" pitchFamily="18" charset="0"/>
               </a:rPr>
+              <a:t>Ứng</a:t>
+            </a:r>
+            <a:r>
+              <a:rPr lang="en-US" b="1" dirty="0">
+                <a:solidFill>
+                  <a:srgbClr val="FFFFFF"/>
+                </a:solidFill>
+                <a:latin typeface="Times New Roman" panose="02020603050405020304" pitchFamily="18" charset="0"/>
+                <a:cs typeface="Times New Roman" panose="02020603050405020304" pitchFamily="18" charset="0"/>
+              </a:rPr>
+              <a:t> </a:t>
+            </a:r>
+            <a:r>
+              <a:rPr lang="en-US" b="1" dirty="0" err="1">
+                <a:solidFill>
+                  <a:srgbClr val="FFFFFF"/>
+                </a:solidFill>
+                <a:latin typeface="Times New Roman" panose="02020603050405020304" pitchFamily="18" charset="0"/>
+                <a:cs typeface="Times New Roman" panose="02020603050405020304" pitchFamily="18" charset="0"/>
+              </a:rPr>
+              <a:t>dụng</a:t>
+            </a:r>
+            <a:r>
+              <a:rPr lang="en-US" b="1" dirty="0">
+                <a:solidFill>
+                  <a:srgbClr val="FFFFFF"/>
+                </a:solidFill>
+                <a:latin typeface="Times New Roman" panose="02020603050405020304" pitchFamily="18" charset="0"/>
+                <a:cs typeface="Times New Roman" panose="02020603050405020304" pitchFamily="18" charset="0"/>
+              </a:rPr>
+              <a:t> </a:t>
+            </a:r>
+            <a:r>
+              <a:rPr lang="en-US" b="1" dirty="0" err="1">
+                <a:solidFill>
+                  <a:srgbClr val="FFFFFF"/>
+                </a:solidFill>
+                <a:latin typeface="Times New Roman" panose="02020603050405020304" pitchFamily="18" charset="0"/>
+                <a:cs typeface="Times New Roman" panose="02020603050405020304" pitchFamily="18" charset="0"/>
+              </a:rPr>
+              <a:t>thực</a:t>
+            </a:r>
+            <a:r>
+              <a:rPr lang="en-US" b="1" dirty="0">
+                <a:solidFill>
+                  <a:srgbClr val="FFFFFF"/>
+                </a:solidFill>
+                <a:latin typeface="Times New Roman" panose="02020603050405020304" pitchFamily="18" charset="0"/>
+                <a:cs typeface="Times New Roman" panose="02020603050405020304" pitchFamily="18" charset="0"/>
+              </a:rPr>
+              <a:t> </a:t>
+            </a:r>
+            <a:r>
+              <a:rPr lang="en-US" b="1" dirty="0" err="1">
+                <a:solidFill>
+                  <a:srgbClr val="FFFFFF"/>
+                </a:solidFill>
+                <a:latin typeface="Times New Roman" panose="02020603050405020304" pitchFamily="18" charset="0"/>
+                <a:cs typeface="Times New Roman" panose="02020603050405020304" pitchFamily="18" charset="0"/>
+              </a:rPr>
+              <a:t>tiễn</a:t>
+            </a:r>
+            <a:endParaRPr lang="en-US" b="1" dirty="0">
+              <a:solidFill>
+                <a:srgbClr val="FFFFFF"/>
+              </a:solidFill>
+              <a:latin typeface="Times New Roman" panose="02020603050405020304" pitchFamily="18" charset="0"/>
+              <a:cs typeface="Times New Roman" panose="02020603050405020304" pitchFamily="18" charset="0"/>
+            </a:endParaRPr>
+          </a:p>
+        </p:txBody>
+      </p:sp>
+      <p:sp>
+        <p:nvSpPr>
+          <p:cNvPr id="3" name="Content Placeholder 2"/>
+          <p:cNvSpPr>
+            <a:spLocks noGrp="1"/>
+          </p:cNvSpPr>
+          <p:nvPr>
+            <p:ph idx="1"/>
+          </p:nvPr>
+        </p:nvSpPr>
+        <p:spPr>
+          <a:xfrm>
+            <a:off x="720793" y="2968708"/>
+            <a:ext cx="10742337" cy="3518927"/>
+          </a:xfrm>
+        </p:spPr>
+        <p:txBody>
+          <a:bodyPr>
+            <a:normAutofit/>
+          </a:bodyPr>
+          <a:lstStyle/>
+          <a:p>
+            <a:pPr>
+              <a:buFont typeface="Wingdings" panose="05000000000000000000" pitchFamily="2" charset="2"/>
+              <a:buChar char="q"/>
+            </a:pPr>
+            <a:r>
+              <a:rPr sz="3200" b="1" dirty="0" err="1">
+                <a:latin typeface="Times New Roman" panose="02020603050405020304" pitchFamily="18" charset="0"/>
+                <a:cs typeface="Times New Roman" panose="02020603050405020304" pitchFamily="18" charset="0"/>
+              </a:rPr>
+              <a:t>Ứng</a:t>
+            </a:r>
+            <a:r>
+              <a:rPr sz="3200" b="1" dirty="0">
+                <a:latin typeface="Times New Roman" panose="02020603050405020304" pitchFamily="18" charset="0"/>
+                <a:cs typeface="Times New Roman" panose="02020603050405020304" pitchFamily="18" charset="0"/>
+              </a:rPr>
+              <a:t> </a:t>
+            </a:r>
+            <a:r>
+              <a:rPr sz="3200" b="1" dirty="0" err="1">
+                <a:latin typeface="Times New Roman" panose="02020603050405020304" pitchFamily="18" charset="0"/>
+                <a:cs typeface="Times New Roman" panose="02020603050405020304" pitchFamily="18" charset="0"/>
+              </a:rPr>
+              <a:t>dụng</a:t>
+            </a:r>
+            <a:endParaRPr sz="3200" b="1" dirty="0">
+              <a:latin typeface="Times New Roman" panose="02020603050405020304" pitchFamily="18" charset="0"/>
+              <a:cs typeface="Times New Roman" panose="02020603050405020304" pitchFamily="18" charset="0"/>
+            </a:endParaRPr>
+          </a:p>
+          <a:p>
+            <a:pPr lvl="2">
+              <a:buFont typeface="Wingdings" panose="05000000000000000000" pitchFamily="2" charset="2"/>
+              <a:buChar char="Ø"/>
+            </a:pPr>
+            <a:r>
+              <a:rPr sz="2800" i="0" dirty="0" err="1">
+                <a:latin typeface="Times New Roman" panose="02020603050405020304" pitchFamily="18" charset="0"/>
+                <a:cs typeface="Times New Roman" panose="02020603050405020304" pitchFamily="18" charset="0"/>
+              </a:rPr>
+              <a:t>Bãi</a:t>
+            </a:r>
+            <a:r>
+              <a:rPr sz="2800" i="0" dirty="0">
+                <a:latin typeface="Times New Roman" panose="02020603050405020304" pitchFamily="18" charset="0"/>
+                <a:cs typeface="Times New Roman" panose="02020603050405020304" pitchFamily="18" charset="0"/>
+              </a:rPr>
+              <a:t> </a:t>
+            </a:r>
+            <a:r>
+              <a:rPr sz="2800" i="0" dirty="0" err="1">
+                <a:latin typeface="Times New Roman" panose="02020603050405020304" pitchFamily="18" charset="0"/>
+                <a:cs typeface="Times New Roman" panose="02020603050405020304" pitchFamily="18" charset="0"/>
+              </a:rPr>
+              <a:t>đỗ</a:t>
+            </a:r>
+            <a:r>
+              <a:rPr sz="2800" i="0" dirty="0">
+                <a:latin typeface="Times New Roman" panose="02020603050405020304" pitchFamily="18" charset="0"/>
+                <a:cs typeface="Times New Roman" panose="02020603050405020304" pitchFamily="18" charset="0"/>
+              </a:rPr>
+              <a:t> </a:t>
+            </a:r>
+            <a:r>
+              <a:rPr sz="2800" i="0" dirty="0" err="1">
+                <a:latin typeface="Times New Roman" panose="02020603050405020304" pitchFamily="18" charset="0"/>
+                <a:cs typeface="Times New Roman" panose="02020603050405020304" pitchFamily="18" charset="0"/>
+              </a:rPr>
+              <a:t>xe</a:t>
+            </a:r>
+            <a:r>
+              <a:rPr sz="2800" i="0" dirty="0">
+                <a:latin typeface="Times New Roman" panose="02020603050405020304" pitchFamily="18" charset="0"/>
+                <a:cs typeface="Times New Roman" panose="02020603050405020304" pitchFamily="18" charset="0"/>
+              </a:rPr>
+              <a:t> </a:t>
+            </a:r>
+            <a:r>
+              <a:rPr sz="2800" i="0" dirty="0" err="1">
+                <a:latin typeface="Times New Roman" panose="02020603050405020304" pitchFamily="18" charset="0"/>
+                <a:cs typeface="Times New Roman" panose="02020603050405020304" pitchFamily="18" charset="0"/>
+              </a:rPr>
+              <a:t>công</a:t>
+            </a:r>
+            <a:r>
+              <a:rPr sz="2800" i="0" dirty="0">
+                <a:latin typeface="Times New Roman" panose="02020603050405020304" pitchFamily="18" charset="0"/>
+                <a:cs typeface="Times New Roman" panose="02020603050405020304" pitchFamily="18" charset="0"/>
+              </a:rPr>
+              <a:t> </a:t>
+            </a:r>
+            <a:r>
+              <a:rPr sz="2800" i="0" dirty="0" err="1">
+                <a:latin typeface="Times New Roman" panose="02020603050405020304" pitchFamily="18" charset="0"/>
+                <a:cs typeface="Times New Roman" panose="02020603050405020304" pitchFamily="18" charset="0"/>
+              </a:rPr>
+              <a:t>cộng</a:t>
+            </a:r>
+            <a:r>
+              <a:rPr sz="2800" i="0" dirty="0">
+                <a:latin typeface="Times New Roman" panose="02020603050405020304" pitchFamily="18" charset="0"/>
+                <a:cs typeface="Times New Roman" panose="02020603050405020304" pitchFamily="18" charset="0"/>
+              </a:rPr>
+              <a:t> </a:t>
+            </a:r>
+            <a:r>
+              <a:rPr sz="2800" i="0" dirty="0" err="1">
+                <a:latin typeface="Times New Roman" panose="02020603050405020304" pitchFamily="18" charset="0"/>
+                <a:cs typeface="Times New Roman" panose="02020603050405020304" pitchFamily="18" charset="0"/>
+              </a:rPr>
+              <a:t>tại</a:t>
+            </a:r>
+            <a:r>
+              <a:rPr sz="2800" i="0" dirty="0">
+                <a:latin typeface="Times New Roman" panose="02020603050405020304" pitchFamily="18" charset="0"/>
+                <a:cs typeface="Times New Roman" panose="02020603050405020304" pitchFamily="18" charset="0"/>
+              </a:rPr>
+              <a:t> </a:t>
+            </a:r>
+            <a:r>
+              <a:rPr sz="2800" i="0" dirty="0" err="1">
+                <a:latin typeface="Times New Roman" panose="02020603050405020304" pitchFamily="18" charset="0"/>
+                <a:cs typeface="Times New Roman" panose="02020603050405020304" pitchFamily="18" charset="0"/>
+              </a:rPr>
+              <a:t>các</a:t>
+            </a:r>
+            <a:r>
+              <a:rPr sz="2800" i="0" dirty="0">
+                <a:latin typeface="Times New Roman" panose="02020603050405020304" pitchFamily="18" charset="0"/>
+                <a:cs typeface="Times New Roman" panose="02020603050405020304" pitchFamily="18" charset="0"/>
+              </a:rPr>
+              <a:t> </a:t>
+            </a:r>
+            <a:r>
+              <a:rPr sz="2800" i="0" dirty="0" err="1">
+                <a:latin typeface="Times New Roman" panose="02020603050405020304" pitchFamily="18" charset="0"/>
+                <a:cs typeface="Times New Roman" panose="02020603050405020304" pitchFamily="18" charset="0"/>
+              </a:rPr>
+              <a:t>trung</a:t>
+            </a:r>
+            <a:r>
+              <a:rPr sz="2800" i="0" dirty="0">
+                <a:latin typeface="Times New Roman" panose="02020603050405020304" pitchFamily="18" charset="0"/>
+                <a:cs typeface="Times New Roman" panose="02020603050405020304" pitchFamily="18" charset="0"/>
+              </a:rPr>
+              <a:t> </a:t>
+            </a:r>
+            <a:r>
+              <a:rPr sz="2800" i="0" dirty="0" err="1">
+                <a:latin typeface="Times New Roman" panose="02020603050405020304" pitchFamily="18" charset="0"/>
+                <a:cs typeface="Times New Roman" panose="02020603050405020304" pitchFamily="18" charset="0"/>
+              </a:rPr>
+              <a:t>tâm</a:t>
+            </a:r>
+            <a:r>
+              <a:rPr sz="2800" i="0" dirty="0">
+                <a:latin typeface="Times New Roman" panose="02020603050405020304" pitchFamily="18" charset="0"/>
+                <a:cs typeface="Times New Roman" panose="02020603050405020304" pitchFamily="18" charset="0"/>
+              </a:rPr>
+              <a:t> </a:t>
+            </a:r>
+            <a:r>
+              <a:rPr sz="2800" i="0" dirty="0" err="1">
+                <a:latin typeface="Times New Roman" panose="02020603050405020304" pitchFamily="18" charset="0"/>
+                <a:cs typeface="Times New Roman" panose="02020603050405020304" pitchFamily="18" charset="0"/>
+              </a:rPr>
+              <a:t>thương</a:t>
+            </a:r>
+            <a:r>
+              <a:rPr sz="2800" i="0" dirty="0">
+                <a:latin typeface="Times New Roman" panose="02020603050405020304" pitchFamily="18" charset="0"/>
+                <a:cs typeface="Times New Roman" panose="02020603050405020304" pitchFamily="18" charset="0"/>
+              </a:rPr>
+              <a:t> </a:t>
+            </a:r>
+            <a:r>
+              <a:rPr sz="2800" i="0" dirty="0" err="1">
+                <a:latin typeface="Times New Roman" panose="02020603050405020304" pitchFamily="18" charset="0"/>
+                <a:cs typeface="Times New Roman" panose="02020603050405020304" pitchFamily="18" charset="0"/>
+              </a:rPr>
+              <a:t>mại</a:t>
+            </a:r>
+            <a:r>
+              <a:rPr sz="2800" i="0" dirty="0">
+                <a:latin typeface="Times New Roman" panose="02020603050405020304" pitchFamily="18" charset="0"/>
+                <a:cs typeface="Times New Roman" panose="02020603050405020304" pitchFamily="18" charset="0"/>
+              </a:rPr>
+              <a:t>, </a:t>
+            </a:r>
+            <a:r>
+              <a:rPr sz="2800" i="0" dirty="0" err="1">
+                <a:latin typeface="Times New Roman" panose="02020603050405020304" pitchFamily="18" charset="0"/>
+                <a:cs typeface="Times New Roman" panose="02020603050405020304" pitchFamily="18" charset="0"/>
+              </a:rPr>
+              <a:t>tòa</a:t>
+            </a:r>
+            <a:r>
+              <a:rPr sz="2800" i="0" dirty="0">
+                <a:latin typeface="Times New Roman" panose="02020603050405020304" pitchFamily="18" charset="0"/>
+                <a:cs typeface="Times New Roman" panose="02020603050405020304" pitchFamily="18" charset="0"/>
+              </a:rPr>
+              <a:t> </a:t>
+            </a:r>
+            <a:r>
+              <a:rPr sz="2800" i="0" dirty="0" err="1">
+                <a:latin typeface="Times New Roman" panose="02020603050405020304" pitchFamily="18" charset="0"/>
+                <a:cs typeface="Times New Roman" panose="02020603050405020304" pitchFamily="18" charset="0"/>
+              </a:rPr>
+              <a:t>nhà</a:t>
+            </a:r>
+            <a:r>
+              <a:rPr sz="2800" i="0" dirty="0">
+                <a:latin typeface="Times New Roman" panose="02020603050405020304" pitchFamily="18" charset="0"/>
+                <a:cs typeface="Times New Roman" panose="02020603050405020304" pitchFamily="18" charset="0"/>
+              </a:rPr>
+              <a:t> </a:t>
+            </a:r>
+            <a:r>
+              <a:rPr sz="2800" i="0" dirty="0" err="1">
+                <a:latin typeface="Times New Roman" panose="02020603050405020304" pitchFamily="18" charset="0"/>
+                <a:cs typeface="Times New Roman" panose="02020603050405020304" pitchFamily="18" charset="0"/>
+              </a:rPr>
+              <a:t>văn</a:t>
+            </a:r>
+            <a:r>
+              <a:rPr sz="2800" i="0" dirty="0">
+                <a:latin typeface="Times New Roman" panose="02020603050405020304" pitchFamily="18" charset="0"/>
+                <a:cs typeface="Times New Roman" panose="02020603050405020304" pitchFamily="18" charset="0"/>
+              </a:rPr>
+              <a:t> </a:t>
+            </a:r>
+            <a:r>
+              <a:rPr sz="2800" i="0" dirty="0" err="1">
+                <a:latin typeface="Times New Roman" panose="02020603050405020304" pitchFamily="18" charset="0"/>
+                <a:cs typeface="Times New Roman" panose="02020603050405020304" pitchFamily="18" charset="0"/>
+              </a:rPr>
+              <a:t>phòng</a:t>
+            </a:r>
+            <a:r>
+              <a:rPr sz="2800" i="0" dirty="0">
+                <a:latin typeface="Times New Roman" panose="02020603050405020304" pitchFamily="18" charset="0"/>
+                <a:cs typeface="Times New Roman" panose="02020603050405020304" pitchFamily="18" charset="0"/>
+              </a:rPr>
+              <a:t>.</a:t>
+            </a:r>
+          </a:p>
+          <a:p>
+            <a:pPr lvl="2">
+              <a:buFont typeface="Wingdings" panose="05000000000000000000" pitchFamily="2" charset="2"/>
+              <a:buChar char="Ø"/>
+            </a:pPr>
+            <a:r>
+              <a:rPr sz="2800" i="0" dirty="0" err="1">
+                <a:latin typeface="Times New Roman" panose="02020603050405020304" pitchFamily="18" charset="0"/>
+                <a:cs typeface="Times New Roman" panose="02020603050405020304" pitchFamily="18" charset="0"/>
+              </a:rPr>
+              <a:t>Trường</a:t>
+            </a:r>
+            <a:r>
+              <a:rPr sz="2800" i="0" dirty="0">
+                <a:latin typeface="Times New Roman" panose="02020603050405020304" pitchFamily="18" charset="0"/>
+                <a:cs typeface="Times New Roman" panose="02020603050405020304" pitchFamily="18" charset="0"/>
+              </a:rPr>
+              <a:t> </a:t>
+            </a:r>
+            <a:r>
+              <a:rPr sz="2800" i="0" dirty="0" err="1">
+                <a:latin typeface="Times New Roman" panose="02020603050405020304" pitchFamily="18" charset="0"/>
+                <a:cs typeface="Times New Roman" panose="02020603050405020304" pitchFamily="18" charset="0"/>
+              </a:rPr>
+              <a:t>học</a:t>
+            </a:r>
+            <a:r>
+              <a:rPr sz="2800" i="0" dirty="0">
+                <a:latin typeface="Times New Roman" panose="02020603050405020304" pitchFamily="18" charset="0"/>
+                <a:cs typeface="Times New Roman" panose="02020603050405020304" pitchFamily="18" charset="0"/>
+              </a:rPr>
+              <a:t>, </a:t>
+            </a:r>
+            <a:r>
+              <a:rPr sz="2800" i="0" dirty="0" err="1">
+                <a:latin typeface="Times New Roman" panose="02020603050405020304" pitchFamily="18" charset="0"/>
+                <a:cs typeface="Times New Roman" panose="02020603050405020304" pitchFamily="18" charset="0"/>
+              </a:rPr>
+              <a:t>khu</a:t>
+            </a:r>
+            <a:r>
+              <a:rPr sz="2800" i="0" dirty="0">
+                <a:latin typeface="Times New Roman" panose="02020603050405020304" pitchFamily="18" charset="0"/>
+                <a:cs typeface="Times New Roman" panose="02020603050405020304" pitchFamily="18" charset="0"/>
+              </a:rPr>
+              <a:t> </a:t>
+            </a:r>
+            <a:r>
+              <a:rPr sz="2800" i="0" dirty="0" err="1">
+                <a:latin typeface="Times New Roman" panose="02020603050405020304" pitchFamily="18" charset="0"/>
+                <a:cs typeface="Times New Roman" panose="02020603050405020304" pitchFamily="18" charset="0"/>
+              </a:rPr>
+              <a:t>dân</a:t>
+            </a:r>
+            <a:r>
+              <a:rPr sz="2800" i="0" dirty="0">
+                <a:latin typeface="Times New Roman" panose="02020603050405020304" pitchFamily="18" charset="0"/>
+                <a:cs typeface="Times New Roman" panose="02020603050405020304" pitchFamily="18" charset="0"/>
+              </a:rPr>
+              <a:t> </a:t>
+            </a:r>
+            <a:r>
+              <a:rPr sz="2800" i="0" dirty="0" err="1">
+                <a:latin typeface="Times New Roman" panose="02020603050405020304" pitchFamily="18" charset="0"/>
+                <a:cs typeface="Times New Roman" panose="02020603050405020304" pitchFamily="18" charset="0"/>
+              </a:rPr>
+              <a:t>cư</a:t>
+            </a:r>
+            <a:r>
+              <a:rPr sz="2800" i="0" dirty="0">
+                <a:latin typeface="Times New Roman" panose="02020603050405020304" pitchFamily="18" charset="0"/>
+                <a:cs typeface="Times New Roman" panose="02020603050405020304" pitchFamily="18" charset="0"/>
+              </a:rPr>
+              <a:t>, </a:t>
+            </a:r>
+            <a:r>
+              <a:rPr sz="2800" i="0" dirty="0" err="1">
+                <a:latin typeface="Times New Roman" panose="02020603050405020304" pitchFamily="18" charset="0"/>
+                <a:cs typeface="Times New Roman" panose="02020603050405020304" pitchFamily="18" charset="0"/>
+              </a:rPr>
+              <a:t>bệnh</a:t>
+            </a:r>
+            <a:r>
+              <a:rPr sz="2800" i="0" dirty="0">
+                <a:latin typeface="Times New Roman" panose="02020603050405020304" pitchFamily="18" charset="0"/>
+                <a:cs typeface="Times New Roman" panose="02020603050405020304" pitchFamily="18" charset="0"/>
+              </a:rPr>
+              <a:t> </a:t>
+            </a:r>
+            <a:r>
+              <a:rPr sz="2800" i="0" dirty="0" err="1">
+                <a:latin typeface="Times New Roman" panose="02020603050405020304" pitchFamily="18" charset="0"/>
+                <a:cs typeface="Times New Roman" panose="02020603050405020304" pitchFamily="18" charset="0"/>
+              </a:rPr>
+              <a:t>viện</a:t>
+            </a:r>
+            <a:r>
+              <a:rPr sz="2800" i="0" dirty="0">
+                <a:latin typeface="Times New Roman" panose="02020603050405020304" pitchFamily="18" charset="0"/>
+                <a:cs typeface="Times New Roman" panose="02020603050405020304" pitchFamily="18" charset="0"/>
+              </a:rPr>
+              <a:t>.</a:t>
+            </a:r>
+            <a:endParaRPr sz="2400" i="0" dirty="0">
+              <a:latin typeface="Times New Roman" panose="02020603050405020304" pitchFamily="18" charset="0"/>
+              <a:cs typeface="Times New Roman" panose="02020603050405020304" pitchFamily="18" charset="0"/>
+            </a:endParaRPr>
+          </a:p>
+          <a:p>
+            <a:pPr>
+              <a:buFont typeface="Wingdings" panose="05000000000000000000" pitchFamily="2" charset="2"/>
+              <a:buChar char="q"/>
+            </a:pPr>
+            <a:r>
+              <a:rPr sz="3200" b="1" dirty="0" err="1">
+                <a:latin typeface="Times New Roman" panose="02020603050405020304" pitchFamily="18" charset="0"/>
+                <a:cs typeface="Times New Roman" panose="02020603050405020304" pitchFamily="18" charset="0"/>
+              </a:rPr>
+              <a:t>Mở</a:t>
+            </a:r>
+            <a:r>
+              <a:rPr sz="3200" b="1" dirty="0">
+                <a:latin typeface="Times New Roman" panose="02020603050405020304" pitchFamily="18" charset="0"/>
+                <a:cs typeface="Times New Roman" panose="02020603050405020304" pitchFamily="18" charset="0"/>
+              </a:rPr>
+              <a:t> </a:t>
+            </a:r>
+            <a:r>
+              <a:rPr sz="3200" b="1" dirty="0" err="1">
+                <a:latin typeface="Times New Roman" panose="02020603050405020304" pitchFamily="18" charset="0"/>
+                <a:cs typeface="Times New Roman" panose="02020603050405020304" pitchFamily="18" charset="0"/>
+              </a:rPr>
+              <a:t>rộng</a:t>
+            </a:r>
+            <a:endParaRPr sz="3200" b="1" dirty="0">
+              <a:latin typeface="Times New Roman" panose="02020603050405020304" pitchFamily="18" charset="0"/>
+              <a:cs typeface="Times New Roman" panose="02020603050405020304" pitchFamily="18" charset="0"/>
+            </a:endParaRPr>
+          </a:p>
+          <a:p>
+            <a:pPr lvl="2">
+              <a:lnSpc>
+                <a:spcPct val="95000"/>
+              </a:lnSpc>
+              <a:buFont typeface="Wingdings" panose="05000000000000000000" pitchFamily="2" charset="2"/>
+              <a:buChar char="Ø"/>
+            </a:pPr>
+            <a:r>
+              <a:rPr sz="2800" i="0" dirty="0" err="1">
+                <a:latin typeface="Times New Roman" panose="02020603050405020304" pitchFamily="18" charset="0"/>
+                <a:cs typeface="Times New Roman" panose="02020603050405020304" pitchFamily="18" charset="0"/>
+              </a:rPr>
+              <a:t>Quản</a:t>
+            </a:r>
+            <a:r>
+              <a:rPr sz="2800" i="0" dirty="0">
+                <a:latin typeface="Times New Roman" panose="02020603050405020304" pitchFamily="18" charset="0"/>
+                <a:cs typeface="Times New Roman" panose="02020603050405020304" pitchFamily="18" charset="0"/>
+              </a:rPr>
+              <a:t> </a:t>
+            </a:r>
+            <a:r>
+              <a:rPr sz="2800" i="0" dirty="0" err="1">
+                <a:latin typeface="Times New Roman" panose="02020603050405020304" pitchFamily="18" charset="0"/>
+                <a:cs typeface="Times New Roman" panose="02020603050405020304" pitchFamily="18" charset="0"/>
+              </a:rPr>
+              <a:t>lý</a:t>
+            </a:r>
+            <a:r>
+              <a:rPr sz="2800" i="0" dirty="0">
+                <a:latin typeface="Times New Roman" panose="02020603050405020304" pitchFamily="18" charset="0"/>
+                <a:cs typeface="Times New Roman" panose="02020603050405020304" pitchFamily="18" charset="0"/>
+              </a:rPr>
+              <a:t> </a:t>
+            </a:r>
+            <a:r>
+              <a:rPr sz="2800" i="0" dirty="0" err="1">
+                <a:latin typeface="Times New Roman" panose="02020603050405020304" pitchFamily="18" charset="0"/>
+                <a:cs typeface="Times New Roman" panose="02020603050405020304" pitchFamily="18" charset="0"/>
+              </a:rPr>
+              <a:t>bãi</a:t>
+            </a:r>
+            <a:r>
+              <a:rPr sz="2800" i="0" dirty="0">
+                <a:latin typeface="Times New Roman" panose="02020603050405020304" pitchFamily="18" charset="0"/>
+                <a:cs typeface="Times New Roman" panose="02020603050405020304" pitchFamily="18" charset="0"/>
+              </a:rPr>
+              <a:t> </a:t>
+            </a:r>
+            <a:r>
+              <a:rPr sz="2800" i="0" dirty="0" err="1">
+                <a:latin typeface="Times New Roman" panose="02020603050405020304" pitchFamily="18" charset="0"/>
+                <a:cs typeface="Times New Roman" panose="02020603050405020304" pitchFamily="18" charset="0"/>
+              </a:rPr>
+              <a:t>đỗ</a:t>
+            </a:r>
+            <a:r>
+              <a:rPr sz="2800" i="0" dirty="0">
+                <a:latin typeface="Times New Roman" panose="02020603050405020304" pitchFamily="18" charset="0"/>
+                <a:cs typeface="Times New Roman" panose="02020603050405020304" pitchFamily="18" charset="0"/>
+              </a:rPr>
+              <a:t> </a:t>
+            </a:r>
+            <a:r>
+              <a:rPr sz="2800" i="0" dirty="0" err="1">
+                <a:latin typeface="Times New Roman" panose="02020603050405020304" pitchFamily="18" charset="0"/>
+                <a:cs typeface="Times New Roman" panose="02020603050405020304" pitchFamily="18" charset="0"/>
+              </a:rPr>
+              <a:t>xe</a:t>
+            </a:r>
+            <a:r>
+              <a:rPr sz="2800" i="0" dirty="0">
+                <a:latin typeface="Times New Roman" panose="02020603050405020304" pitchFamily="18" charset="0"/>
+                <a:cs typeface="Times New Roman" panose="02020603050405020304" pitchFamily="18" charset="0"/>
+              </a:rPr>
+              <a:t> </a:t>
+            </a:r>
+            <a:r>
+              <a:rPr sz="2800" i="0" dirty="0" err="1">
+                <a:latin typeface="Times New Roman" panose="02020603050405020304" pitchFamily="18" charset="0"/>
+                <a:cs typeface="Times New Roman" panose="02020603050405020304" pitchFamily="18" charset="0"/>
+              </a:rPr>
+              <a:t>tự</a:t>
+            </a:r>
+            <a:r>
+              <a:rPr sz="2800" i="0" dirty="0">
+                <a:latin typeface="Times New Roman" panose="02020603050405020304" pitchFamily="18" charset="0"/>
+                <a:cs typeface="Times New Roman" panose="02020603050405020304" pitchFamily="18" charset="0"/>
+              </a:rPr>
+              <a:t> </a:t>
+            </a:r>
+            <a:r>
+              <a:rPr sz="2800" i="0" dirty="0" err="1">
+                <a:latin typeface="Times New Roman" panose="02020603050405020304" pitchFamily="18" charset="0"/>
+                <a:cs typeface="Times New Roman" panose="02020603050405020304" pitchFamily="18" charset="0"/>
+              </a:rPr>
+              <a:t>động</a:t>
+            </a:r>
+            <a:r>
+              <a:rPr sz="2800" i="0" dirty="0">
+                <a:latin typeface="Times New Roman" panose="02020603050405020304" pitchFamily="18" charset="0"/>
+                <a:cs typeface="Times New Roman" panose="02020603050405020304" pitchFamily="18" charset="0"/>
+              </a:rPr>
+              <a:t> </a:t>
+            </a:r>
+            <a:r>
+              <a:rPr sz="2800" i="0" dirty="0" err="1">
+                <a:latin typeface="Times New Roman" panose="02020603050405020304" pitchFamily="18" charset="0"/>
+                <a:cs typeface="Times New Roman" panose="02020603050405020304" pitchFamily="18" charset="0"/>
+              </a:rPr>
+              <a:t>với</a:t>
+            </a:r>
+            <a:r>
+              <a:rPr sz="2800" i="0" dirty="0">
+                <a:latin typeface="Times New Roman" panose="02020603050405020304" pitchFamily="18" charset="0"/>
+                <a:cs typeface="Times New Roman" panose="02020603050405020304" pitchFamily="18" charset="0"/>
+              </a:rPr>
+              <a:t> </a:t>
+            </a:r>
+            <a:r>
+              <a:rPr sz="2800" i="0" dirty="0" err="1">
+                <a:latin typeface="Times New Roman" panose="02020603050405020304" pitchFamily="18" charset="0"/>
+                <a:cs typeface="Times New Roman" panose="02020603050405020304" pitchFamily="18" charset="0"/>
+              </a:rPr>
+              <a:t>quy</a:t>
+            </a:r>
+            <a:r>
+              <a:rPr sz="2800" i="0" dirty="0">
+                <a:latin typeface="Times New Roman" panose="02020603050405020304" pitchFamily="18" charset="0"/>
+                <a:cs typeface="Times New Roman" panose="02020603050405020304" pitchFamily="18" charset="0"/>
+              </a:rPr>
+              <a:t> </a:t>
+            </a:r>
+            <a:r>
+              <a:rPr sz="2800" i="0" dirty="0" err="1">
+                <a:latin typeface="Times New Roman" panose="02020603050405020304" pitchFamily="18" charset="0"/>
+                <a:cs typeface="Times New Roman" panose="02020603050405020304" pitchFamily="18" charset="0"/>
+              </a:rPr>
+              <a:t>mô</a:t>
+            </a:r>
+            <a:r>
+              <a:rPr sz="2800" i="0" dirty="0">
+                <a:latin typeface="Times New Roman" panose="02020603050405020304" pitchFamily="18" charset="0"/>
+                <a:cs typeface="Times New Roman" panose="02020603050405020304" pitchFamily="18" charset="0"/>
+              </a:rPr>
+              <a:t> </a:t>
+            </a:r>
+            <a:r>
+              <a:rPr sz="2800" i="0" dirty="0" err="1">
+                <a:latin typeface="Times New Roman" panose="02020603050405020304" pitchFamily="18" charset="0"/>
+                <a:cs typeface="Times New Roman" panose="02020603050405020304" pitchFamily="18" charset="0"/>
+              </a:rPr>
+              <a:t>lớn</a:t>
+            </a:r>
+            <a:r>
+              <a:rPr sz="2800" i="0" dirty="0">
+                <a:latin typeface="Times New Roman" panose="02020603050405020304" pitchFamily="18" charset="0"/>
+                <a:cs typeface="Times New Roman" panose="02020603050405020304" pitchFamily="18" charset="0"/>
+              </a:rPr>
+              <a:t>.</a:t>
+            </a:r>
+          </a:p>
+          <a:p>
+            <a:pPr lvl="2">
+              <a:lnSpc>
+                <a:spcPct val="95000"/>
+              </a:lnSpc>
+              <a:buFont typeface="Wingdings" panose="05000000000000000000" pitchFamily="2" charset="2"/>
+              <a:buChar char="Ø"/>
+            </a:pPr>
+            <a:r>
+              <a:rPr sz="2800" i="0" dirty="0" err="1">
+                <a:latin typeface="Times New Roman" panose="02020603050405020304" pitchFamily="18" charset="0"/>
+                <a:cs typeface="Times New Roman" panose="02020603050405020304" pitchFamily="18" charset="0"/>
+              </a:rPr>
+              <a:t>Tích</a:t>
+            </a:r>
+            <a:r>
+              <a:rPr sz="2800" i="0" dirty="0">
+                <a:latin typeface="Times New Roman" panose="02020603050405020304" pitchFamily="18" charset="0"/>
+                <a:cs typeface="Times New Roman" panose="02020603050405020304" pitchFamily="18" charset="0"/>
+              </a:rPr>
+              <a:t> </a:t>
+            </a:r>
+            <a:r>
+              <a:rPr sz="2800" i="0" dirty="0" err="1">
+                <a:latin typeface="Times New Roman" panose="02020603050405020304" pitchFamily="18" charset="0"/>
+                <a:cs typeface="Times New Roman" panose="02020603050405020304" pitchFamily="18" charset="0"/>
+              </a:rPr>
+              <a:t>hợp</a:t>
+            </a:r>
+            <a:r>
+              <a:rPr sz="2800" i="0" dirty="0">
+                <a:latin typeface="Times New Roman" panose="02020603050405020304" pitchFamily="18" charset="0"/>
+                <a:cs typeface="Times New Roman" panose="02020603050405020304" pitchFamily="18" charset="0"/>
+              </a:rPr>
+              <a:t> </a:t>
+            </a:r>
+            <a:r>
+              <a:rPr sz="2800" i="0" dirty="0" err="1">
+                <a:latin typeface="Times New Roman" panose="02020603050405020304" pitchFamily="18" charset="0"/>
+                <a:cs typeface="Times New Roman" panose="02020603050405020304" pitchFamily="18" charset="0"/>
+              </a:rPr>
+              <a:t>hệ</a:t>
+            </a:r>
+            <a:r>
+              <a:rPr sz="2800" i="0" dirty="0">
+                <a:latin typeface="Times New Roman" panose="02020603050405020304" pitchFamily="18" charset="0"/>
+                <a:cs typeface="Times New Roman" panose="02020603050405020304" pitchFamily="18" charset="0"/>
+              </a:rPr>
+              <a:t> </a:t>
+            </a:r>
+            <a:r>
+              <a:rPr sz="2800" i="0" dirty="0" err="1">
+                <a:latin typeface="Times New Roman" panose="02020603050405020304" pitchFamily="18" charset="0"/>
+                <a:cs typeface="Times New Roman" panose="02020603050405020304" pitchFamily="18" charset="0"/>
+              </a:rPr>
+              <a:t>thống</a:t>
+            </a:r>
+            <a:r>
+              <a:rPr sz="2800" i="0" dirty="0">
+                <a:latin typeface="Times New Roman" panose="02020603050405020304" pitchFamily="18" charset="0"/>
+                <a:cs typeface="Times New Roman" panose="02020603050405020304" pitchFamily="18" charset="0"/>
+              </a:rPr>
+              <a:t> </a:t>
+            </a:r>
+            <a:r>
+              <a:rPr sz="2800" i="0" dirty="0" err="1">
+                <a:latin typeface="Times New Roman" panose="02020603050405020304" pitchFamily="18" charset="0"/>
+                <a:cs typeface="Times New Roman" panose="02020603050405020304" pitchFamily="18" charset="0"/>
+              </a:rPr>
+              <a:t>thanh</a:t>
+            </a:r>
+            <a:r>
+              <a:rPr sz="2800" i="0" dirty="0">
+                <a:latin typeface="Times New Roman" panose="02020603050405020304" pitchFamily="18" charset="0"/>
+                <a:cs typeface="Times New Roman" panose="02020603050405020304" pitchFamily="18" charset="0"/>
+              </a:rPr>
+              <a:t> </a:t>
+            </a:r>
+            <a:r>
+              <a:rPr sz="2800" i="0" dirty="0" err="1">
+                <a:latin typeface="Times New Roman" panose="02020603050405020304" pitchFamily="18" charset="0"/>
+                <a:cs typeface="Times New Roman" panose="02020603050405020304" pitchFamily="18" charset="0"/>
+              </a:rPr>
+              <a:t>toán</a:t>
+            </a:r>
+            <a:r>
+              <a:rPr sz="2800" i="0" dirty="0">
+                <a:latin typeface="Times New Roman" panose="02020603050405020304" pitchFamily="18" charset="0"/>
+                <a:cs typeface="Times New Roman" panose="02020603050405020304" pitchFamily="18" charset="0"/>
+              </a:rPr>
+              <a:t> </a:t>
+            </a:r>
+            <a:r>
+              <a:rPr sz="2800" i="0" dirty="0" err="1">
+                <a:latin typeface="Times New Roman" panose="02020603050405020304" pitchFamily="18" charset="0"/>
+                <a:cs typeface="Times New Roman" panose="02020603050405020304" pitchFamily="18" charset="0"/>
+              </a:rPr>
+              <a:t>không</a:t>
+            </a:r>
+            <a:r>
+              <a:rPr sz="2800" i="0" dirty="0">
+                <a:latin typeface="Times New Roman" panose="02020603050405020304" pitchFamily="18" charset="0"/>
+                <a:cs typeface="Times New Roman" panose="02020603050405020304" pitchFamily="18" charset="0"/>
+              </a:rPr>
+              <a:t> </a:t>
+            </a:r>
+            <a:r>
+              <a:rPr sz="2800" i="0" dirty="0" err="1">
+                <a:latin typeface="Times New Roman" panose="02020603050405020304" pitchFamily="18" charset="0"/>
+                <a:cs typeface="Times New Roman" panose="02020603050405020304" pitchFamily="18" charset="0"/>
+              </a:rPr>
+              <a:t>chạm</a:t>
+            </a:r>
+            <a:r>
+              <a:rPr sz="2800" i="0" dirty="0">
+                <a:latin typeface="Times New Roman" panose="02020603050405020304" pitchFamily="18" charset="0"/>
+                <a:cs typeface="Times New Roman" panose="02020603050405020304" pitchFamily="18" charset="0"/>
+              </a:rPr>
+              <a:t>.</a:t>
+            </a:r>
+          </a:p>
+        </p:txBody>
+      </p:sp>
+    </p:spTree>
+  </p:cSld>
+  <p:clrMapOvr>
+    <a:masterClrMapping/>
+  </p:clrMapOvr>
+</p:sld>
+</file>
+
+<file path=ppt/slides/slide13.xml><?xml version="1.0" encoding="utf-8"?>
+<p:sld xmlns:a="http://schemas.openxmlformats.org/drawingml/2006/main" xmlns:r="http://schemas.openxmlformats.org/officeDocument/2006/relationships" xmlns:p="http://schemas.openxmlformats.org/presentationml/2006/main">
+  <p:cSld>
+    <p:bg>
+      <p:bgPr>
+        <a:solidFill>
+          <a:schemeClr val="bg1"/>
+        </a:solidFill>
+        <a:effectLst/>
+      </p:bgPr>
+    </p:bg>
+    <p:spTree>
+      <p:nvGrpSpPr>
+        <p:cNvPr id="1" name=""/>
+        <p:cNvGrpSpPr/>
+        <p:nvPr/>
+      </p:nvGrpSpPr>
+      <p:grpSpPr>
+        <a:xfrm>
+          <a:off x="0" y="0"/>
+          <a:ext cx="0" cy="0"/>
+          <a:chOff x="0" y="0"/>
+          <a:chExt cx="0" cy="0"/>
+        </a:xfrm>
+      </p:grpSpPr>
+      <p:sp>
+        <p:nvSpPr>
+          <p:cNvPr id="8" name="Rectangle 7">
+            <a:extLst>
+              <a:ext uri="{FF2B5EF4-FFF2-40B4-BE49-F238E27FC236}">
+                <a16:creationId xmlns:a16="http://schemas.microsoft.com/office/drawing/2014/main" id="{B1CCD5EF-766D-43B9-A25D-19122E5FB181}"/>
+              </a:ext>
+              <a:ext uri="{C183D7F6-B498-43B3-948B-1728B52AA6E4}">
+                <adec:decorative xmlns:adec="http://schemas.microsoft.com/office/drawing/2017/decorative" val="1"/>
+              </a:ext>
+            </a:extLst>
+          </p:cNvPr>
+          <p:cNvSpPr>
+            <a:spLocks noGrp="1" noRot="1" noChangeAspect="1" noMove="1" noResize="1" noEditPoints="1" noAdjustHandles="1" noChangeArrowheads="1" noChangeShapeType="1" noTextEdit="1"/>
+          </p:cNvSpPr>
+          <p:nvPr>
+            <p:extLst>
+              <p:ext uri="{386F3935-93C4-4BCD-93E2-E3B085C9AB24}">
+                <p16:designElem xmlns:p16="http://schemas.microsoft.com/office/powerpoint/2015/main" val="1"/>
+              </p:ext>
+            </p:extLst>
+          </p:nvPr>
+        </p:nvSpPr>
+        <p:spPr>
+          <a:xfrm>
+            <a:off x="643467" y="643467"/>
+            <a:ext cx="10905065" cy="1989682"/>
+          </a:xfrm>
+          <a:prstGeom prst="rect">
+            <a:avLst/>
+          </a:prstGeom>
+          <a:solidFill>
+            <a:schemeClr val="accent1"/>
+          </a:solidFill>
+          <a:ln cap="sq">
+            <a:noFill/>
+            <a:miter lim="800000"/>
+          </a:ln>
+        </p:spPr>
+        <p:style>
+          <a:lnRef idx="2">
+            <a:schemeClr val="accent1">
+              <a:shade val="50000"/>
+            </a:schemeClr>
+          </a:lnRef>
+          <a:fillRef idx="1">
+            <a:schemeClr val="accent1"/>
+          </a:fillRef>
+          <a:effectRef idx="0">
+            <a:schemeClr val="accent1"/>
+          </a:effectRef>
+          <a:fontRef idx="minor">
+            <a:schemeClr val="lt1"/>
+          </a:fontRef>
+        </p:style>
+        <p:txBody>
+          <a:bodyPr rtlCol="0" anchor="ctr"/>
+          <a:lstStyle/>
+          <a:p>
+            <a:pPr algn="ctr"/>
+            <a:endParaRPr lang="en-US"/>
+          </a:p>
+        </p:txBody>
+      </p:sp>
+      <p:sp>
+        <p:nvSpPr>
+          <p:cNvPr id="10" name="Rectangle 9">
+            <a:extLst>
+              <a:ext uri="{FF2B5EF4-FFF2-40B4-BE49-F238E27FC236}">
+                <a16:creationId xmlns:a16="http://schemas.microsoft.com/office/drawing/2014/main" id="{FD9699C9-77F1-4E33-A750-CB78C7EA29E6}"/>
+              </a:ext>
+              <a:ext uri="{C183D7F6-B498-43B3-948B-1728B52AA6E4}">
+                <adec:decorative xmlns:adec="http://schemas.microsoft.com/office/drawing/2017/decorative" val="1"/>
+              </a:ext>
+            </a:extLst>
+          </p:cNvPr>
+          <p:cNvSpPr>
+            <a:spLocks noGrp="1" noRot="1" noChangeAspect="1" noMove="1" noResize="1" noEditPoints="1" noAdjustHandles="1" noChangeArrowheads="1" noChangeShapeType="1" noTextEdit="1"/>
+          </p:cNvSpPr>
+          <p:nvPr>
+            <p:extLst>
+              <p:ext uri="{386F3935-93C4-4BCD-93E2-E3B085C9AB24}">
+                <p16:designElem xmlns:p16="http://schemas.microsoft.com/office/powerpoint/2015/main" val="1"/>
+              </p:ext>
+            </p:extLst>
+          </p:nvPr>
+        </p:nvSpPr>
+        <p:spPr>
+          <a:xfrm>
+            <a:off x="806195" y="806204"/>
+            <a:ext cx="10579608" cy="1664208"/>
+          </a:xfrm>
+          <a:prstGeom prst="rect">
+            <a:avLst/>
+          </a:prstGeom>
+          <a:noFill/>
+          <a:ln cap="sq">
+            <a:solidFill>
+              <a:schemeClr val="bg1"/>
+            </a:solidFill>
+            <a:miter lim="800000"/>
+          </a:ln>
+        </p:spPr>
+        <p:style>
+          <a:lnRef idx="2">
+            <a:schemeClr val="accent1">
+              <a:shade val="50000"/>
+            </a:schemeClr>
+          </a:lnRef>
+          <a:fillRef idx="1">
+            <a:schemeClr val="accent1"/>
+          </a:fillRef>
+          <a:effectRef idx="0">
+            <a:schemeClr val="accent1"/>
+          </a:effectRef>
+          <a:fontRef idx="minor">
+            <a:schemeClr val="lt1"/>
+          </a:fontRef>
+        </p:style>
+        <p:txBody>
+          <a:bodyPr rtlCol="0" anchor="ctr"/>
+          <a:lstStyle/>
+          <a:p>
+            <a:pPr algn="ctr"/>
+            <a:endParaRPr lang="en-US"/>
+          </a:p>
+        </p:txBody>
+      </p:sp>
+      <p:sp>
+        <p:nvSpPr>
+          <p:cNvPr id="2" name="Title 1"/>
+          <p:cNvSpPr>
+            <a:spLocks noGrp="1"/>
+          </p:cNvSpPr>
+          <p:nvPr>
+            <p:ph type="title"/>
+          </p:nvPr>
+        </p:nvSpPr>
+        <p:spPr>
+          <a:xfrm>
+            <a:off x="1071846" y="1059736"/>
+            <a:ext cx="10040233" cy="1228130"/>
+          </a:xfrm>
+        </p:spPr>
+        <p:txBody>
+          <a:bodyPr>
+            <a:normAutofit/>
+          </a:bodyPr>
+          <a:lstStyle/>
+          <a:p>
+            <a:r>
+              <a:rPr lang="en-US" b="1" dirty="0" err="1">
+                <a:solidFill>
+                  <a:srgbClr val="FFFFFF"/>
+                </a:solidFill>
+                <a:latin typeface="Times New Roman" panose="02020603050405020304" pitchFamily="18" charset="0"/>
+                <a:cs typeface="Times New Roman" panose="02020603050405020304" pitchFamily="18" charset="0"/>
+              </a:rPr>
               <a:t>Hạn</a:t>
             </a:r>
             <a:r>
@@ -17280,7 +17801,7 @@
 </p:sld>
 </file>
 
-<file path=ppt/slides/slide13.xml><?xml version="1.0" encoding="utf-8"?>
+<file path=ppt/slides/slide14.xml><?xml version="1.0" encoding="utf-8"?>
 <p:sld xmlns:a="http://schemas.openxmlformats.org/drawingml/2006/main" xmlns:r="http://schemas.openxmlformats.org/officeDocument/2006/relationships" xmlns:p="http://schemas.openxmlformats.org/presentationml/2006/main">
   <p:cSld>
     <p:spTree>
@@ -17690,6 +18211,9 @@
           <a:lstStyle/>
           <a:p>
             <a:pPr>
+              <a:lnSpc>
+                <a:spcPct val="150000"/>
+              </a:lnSpc>
               <a:buFont typeface="Wingdings" panose="05000000000000000000" pitchFamily="2" charset="2"/>
               <a:buChar char="q"/>
             </a:pPr>
@@ -17738,6 +18262,9 @@
           </a:p>
           <a:p>
             <a:pPr>
+              <a:lnSpc>
+                <a:spcPct val="150000"/>
+              </a:lnSpc>
               <a:buFont typeface="Wingdings" panose="05000000000000000000" pitchFamily="2" charset="2"/>
               <a:buChar char="q"/>
             </a:pPr>
@@ -17786,6 +18313,9 @@
           </a:p>
           <a:p>
             <a:pPr>
+              <a:lnSpc>
+                <a:spcPct val="150000"/>
+              </a:lnSpc>
               <a:buFont typeface="Wingdings" panose="05000000000000000000" pitchFamily="2" charset="2"/>
               <a:buChar char="q"/>
             </a:pPr>
@@ -17799,6 +18329,9 @@
           </a:p>
           <a:p>
             <a:pPr>
+              <a:lnSpc>
+                <a:spcPct val="150000"/>
+              </a:lnSpc>
               <a:buFont typeface="Wingdings" panose="05000000000000000000" pitchFamily="2" charset="2"/>
               <a:buChar char="q"/>
             </a:pPr>
@@ -21318,4 +21851,319 @@
     </a:ext>
   </a:extLst>
 </a:theme>
+</file>
+
+<file path=ppt/theme/theme2.xml><?xml version="1.0" encoding="utf-8"?>
+<a:theme xmlns:a="http://schemas.openxmlformats.org/drawingml/2006/main" name="Office Theme">
+  <a:themeElements>
+    <a:clrScheme name="Office">
+      <a:dk1>
+        <a:sysClr val="windowText" lastClr="000000"/>
+      </a:dk1>
+      <a:lt1>
+        <a:sysClr val="window" lastClr="FFFFFF"/>
+      </a:lt1>
+      <a:dk2>
+        <a:srgbClr val="0E2841"/>
+      </a:dk2>
+      <a:lt2>
+        <a:srgbClr val="E8E8E8"/>
+      </a:lt2>
+      <a:accent1>
+        <a:srgbClr val="156082"/>
+      </a:accent1>
+      <a:accent2>
+        <a:srgbClr val="E97132"/>
+      </a:accent2>
+      <a:accent3>
+        <a:srgbClr val="196B24"/>
+      </a:accent3>
+      <a:accent4>
+        <a:srgbClr val="0F9ED5"/>
+      </a:accent4>
+      <a:accent5>
+        <a:srgbClr val="A02B93"/>
+      </a:accent5>
+      <a:accent6>
+        <a:srgbClr val="4EA72E"/>
+      </a:accent6>
+      <a:hlink>
+        <a:srgbClr val="467886"/>
+      </a:hlink>
+      <a:folHlink>
+        <a:srgbClr val="96607D"/>
+      </a:folHlink>
+    </a:clrScheme>
+    <a:fontScheme name="Office">
+      <a:majorFont>
+        <a:latin typeface="Aptos Display" panose="02110004020202020204"/>
+        <a:ea typeface=""/>
+        <a:cs typeface=""/>
+        <a:font script="Jpan" typeface="游ゴシック Light"/>
+        <a:font script="Hang" typeface="맑은 고딕"/>
+        <a:font script="Hans" typeface="等线 Light"/>
+        <a:font script="Hant" typeface="新細明體"/>
+        <a:font script="Arab" typeface="Times New Roman"/>
+        <a:font script="Hebr" typeface="Times New Roman"/>
+        <a:font script="Thai" typeface="Angsana New"/>
+        <a:font script="Ethi" typeface="Nyala"/>
+        <a:font script="Beng" typeface="Vrinda"/>
+        <a:font script="Gujr" typeface="Shruti"/>
+        <a:font script="Khmr" typeface="MoolBoran"/>
+        <a:font script="Knda" typeface="Tunga"/>
+        <a:font script="Guru" typeface="Raavi"/>
+        <a:font script="Cans" typeface="Euphemia"/>
+        <a:font script="Cher" typeface="Plantagenet Cherokee"/>
+        <a:font script="Yiii" typeface="Microsoft Yi Baiti"/>
+        <a:font script="Tibt" typeface="Microsoft Himalaya"/>
+        <a:font script="Thaa" typeface="MV Boli"/>
+        <a:font script="Deva" typeface="Mangal"/>
+        <a:font script="Telu" typeface="Gautami"/>
+        <a:font script="Taml" typeface="Latha"/>
+        <a:font script="Syrc" typeface="Estrangelo Edessa"/>
+        <a:font script="Orya" typeface="Kalinga"/>
+        <a:font script="Mlym" typeface="Kartika"/>
+        <a:font script="Laoo" typeface="DokChampa"/>
+        <a:font script="Sinh" typeface="Iskoola Pota"/>
+        <a:font script="Mong" typeface="Mongolian Baiti"/>
+        <a:font script="Viet" typeface="Times New Roman"/>
+        <a:font script="Uigh" typeface="Microsoft Uighur"/>
+        <a:font script="Geor" typeface="Sylfaen"/>
+        <a:font script="Armn" typeface="Arial"/>
+        <a:font script="Bugi" typeface="Leelawadee UI"/>
+        <a:font script="Bopo" typeface="Microsoft JhengHei"/>
+        <a:font script="Java" typeface="Javanese Text"/>
+        <a:font script="Lisu" typeface="Segoe UI"/>
+        <a:font script="Mymr" typeface="Myanmar Text"/>
+        <a:font script="Nkoo" typeface="Ebrima"/>
+        <a:font script="Olck" typeface="Nirmala UI"/>
+        <a:font script="Osma" typeface="Ebrima"/>
+        <a:font script="Phag" typeface="Phagspa"/>
+        <a:font script="Syrn" typeface="Estrangelo Edessa"/>
+        <a:font script="Syrj" typeface="Estrangelo Edessa"/>
+        <a:font script="Syre" typeface="Estrangelo Edessa"/>
+        <a:font script="Sora" typeface="Nirmala UI"/>
+        <a:font script="Tale" typeface="Microsoft Tai Le"/>
+        <a:font script="Talu" typeface="Microsoft New Tai Lue"/>
+        <a:font script="Tfng" typeface="Ebrima"/>
+      </a:majorFont>
+      <a:minorFont>
+        <a:latin typeface="Aptos" panose="02110004020202020204"/>
+        <a:ea typeface=""/>
+        <a:cs typeface=""/>
+        <a:font script="Jpan" typeface="游ゴシック"/>
+        <a:font script="Hang" typeface="맑은 고딕"/>
+        <a:font script="Hans" typeface="等线"/>
+        <a:font script="Hant" typeface="新細明體"/>
+        <a:font script="Arab" typeface="Arial"/>
+        <a:font script="Hebr" typeface="Arial"/>
+        <a:font script="Thai" typeface="Cordia New"/>
+        <a:font script="Ethi" typeface="Nyala"/>
+        <a:font script="Beng" typeface="Vrinda"/>
+        <a:font script="Gujr" typeface="Shruti"/>
+        <a:font script="Khmr" typeface="DaunPenh"/>
+        <a:font script="Knda" typeface="Tunga"/>
+        <a:font script="Guru" typeface="Raavi"/>
+        <a:font script="Cans" typeface="Euphemia"/>
+        <a:font script="Cher" typeface="Plantagenet Cherokee"/>
+        <a:font script="Yiii" typeface="Microsoft Yi Baiti"/>
+        <a:font script="Tibt" typeface="Microsoft Himalaya"/>
+        <a:font script="Thaa" typeface="MV Boli"/>
+        <a:font script="Deva" typeface="Mangal"/>
+        <a:font script="Telu" typeface="Gautami"/>
+        <a:font script="Taml" typeface="Latha"/>
+        <a:font script="Syrc" typeface="Estrangelo Edessa"/>
+        <a:font script="Orya" typeface="Kalinga"/>
+        <a:font script="Mlym" typeface="Kartika"/>
+        <a:font script="Laoo" typeface="DokChampa"/>
+        <a:font script="Sinh" typeface="Iskoola Pota"/>
+        <a:font script="Mong" typeface="Mongolian Baiti"/>
+        <a:font script="Viet" typeface="Arial"/>
+        <a:font script="Uigh" typeface="Microsoft Uighur"/>
+        <a:font script="Geor" typeface="Sylfaen"/>
+        <a:font script="Armn" typeface="Arial"/>
+        <a:font script="Bugi" typeface="Leelawadee UI"/>
+        <a:font script="Bopo" typeface="Microsoft JhengHei"/>
+        <a:font script="Java" typeface="Javanese Text"/>
+        <a:font script="Lisu" typeface="Segoe UI"/>
+        <a:font script="Mymr" typeface="Myanmar Text"/>
+        <a:font script="Nkoo" typeface="Ebrima"/>
+        <a:font script="Olck" typeface="Nirmala UI"/>
+        <a:font script="Osma" typeface="Ebrima"/>
+        <a:font script="Phag" typeface="Phagspa"/>
+        <a:font script="Syrn" typeface="Estrangelo Edessa"/>
+        <a:font script="Syrj" typeface="Estrangelo Edessa"/>
+        <a:font script="Syre" typeface="Estrangelo Edessa"/>
+        <a:font script="Sora" typeface="Nirmala UI"/>
+        <a:font script="Tale" typeface="Microsoft Tai Le"/>
+        <a:font script="Talu" typeface="Microsoft New Tai Lue"/>
+        <a:font script="Tfng" typeface="Ebrima"/>
+      </a:minorFont>
+    </a:fontScheme>
+    <a:fmtScheme name="Office">
+      <a:fillStyleLst>
+        <a:solidFill>
+          <a:schemeClr val="phClr"/>
+        </a:solidFill>
+        <a:gradFill rotWithShape="1">
+          <a:gsLst>
+            <a:gs pos="0">
+              <a:schemeClr val="phClr">
+                <a:lumMod val="110000"/>
+                <a:satMod val="105000"/>
+                <a:tint val="67000"/>
+              </a:schemeClr>
+            </a:gs>
+            <a:gs pos="50000">
+              <a:schemeClr val="phClr">
+                <a:lumMod val="105000"/>
+                <a:satMod val="103000"/>
+                <a:tint val="73000"/>
+              </a:schemeClr>
+            </a:gs>
+            <a:gs pos="100000">
+              <a:schemeClr val="phClr">
+                <a:lumMod val="105000"/>
+                <a:satMod val="109000"/>
+                <a:tint val="81000"/>
+              </a:schemeClr>
+            </a:gs>
+          </a:gsLst>
+          <a:lin ang="5400000" scaled="0"/>
+        </a:gradFill>
+        <a:gradFill rotWithShape="1">
+          <a:gsLst>
+            <a:gs pos="0">
+              <a:schemeClr val="phClr">
+                <a:satMod val="103000"/>
+                <a:lumMod val="102000"/>
+                <a:tint val="94000"/>
+              </a:schemeClr>
+            </a:gs>
+            <a:gs pos="50000">
+              <a:schemeClr val="phClr">
+                <a:satMod val="110000"/>
+                <a:lumMod val="100000"/>
+                <a:shade val="100000"/>
+              </a:schemeClr>
+            </a:gs>
+            <a:gs pos="100000">
+              <a:schemeClr val="phClr">
+                <a:lumMod val="99000"/>
+                <a:satMod val="120000"/>
+                <a:shade val="78000"/>
+              </a:schemeClr>
+            </a:gs>
+          </a:gsLst>
+          <a:lin ang="5400000" scaled="0"/>
+        </a:gradFill>
+      </a:fillStyleLst>
+      <a:lnStyleLst>
+        <a:ln w="12700" cap="flat" cmpd="sng" algn="ctr">
+          <a:solidFill>
+            <a:schemeClr val="phClr"/>
+          </a:solidFill>
+          <a:prstDash val="solid"/>
+          <a:miter lim="800000"/>
+        </a:ln>
+        <a:ln w="19050" cap="flat" cmpd="sng" algn="ctr">
+          <a:solidFill>
+            <a:schemeClr val="phClr"/>
+          </a:solidFill>
+          <a:prstDash val="solid"/>
+          <a:miter lim="800000"/>
+        </a:ln>
+        <a:ln w="25400" cap="flat" cmpd="sng" algn="ctr">
+          <a:solidFill>
+            <a:schemeClr val="phClr"/>
+          </a:solidFill>
+          <a:prstDash val="solid"/>
+          <a:miter lim="800000"/>
+        </a:ln>
+      </a:lnStyleLst>
+      <a:effectStyleLst>
+        <a:effectStyle>
+          <a:effectLst/>
+        </a:effectStyle>
+        <a:effectStyle>
+          <a:effectLst/>
+        </a:effectStyle>
+        <a:effectStyle>
+          <a:effectLst>
+            <a:outerShdw blurRad="57150" dist="19050" dir="5400000" algn="ctr" rotWithShape="0">
+              <a:srgbClr val="000000">
+                <a:alpha val="63000"/>
+              </a:srgbClr>
+            </a:outerShdw>
+          </a:effectLst>
+        </a:effectStyle>
+      </a:effectStyleLst>
+      <a:bgFillStyleLst>
+        <a:solidFill>
+          <a:schemeClr val="phClr"/>
+        </a:solidFill>
+        <a:solidFill>
+          <a:schemeClr val="phClr">
+            <a:tint val="95000"/>
+            <a:satMod val="170000"/>
+          </a:schemeClr>
+        </a:solidFill>
+        <a:gradFill rotWithShape="1">
+          <a:gsLst>
+            <a:gs pos="0">
+              <a:schemeClr val="phClr">
+                <a:tint val="93000"/>
+                <a:satMod val="150000"/>
+                <a:shade val="98000"/>
+                <a:lumMod val="102000"/>
+              </a:schemeClr>
+            </a:gs>
+            <a:gs pos="50000">
+              <a:schemeClr val="phClr">
+                <a:tint val="98000"/>
+                <a:satMod val="130000"/>
+                <a:shade val="90000"/>
+                <a:lumMod val="103000"/>
+              </a:schemeClr>
+            </a:gs>
+            <a:gs pos="100000">
+              <a:schemeClr val="phClr">
+                <a:shade val="63000"/>
+                <a:satMod val="120000"/>
+              </a:schemeClr>
+            </a:gs>
+          </a:gsLst>
+          <a:lin ang="5400000" scaled="0"/>
+        </a:gradFill>
+      </a:bgFillStyleLst>
+    </a:fmtScheme>
+  </a:themeElements>
+  <a:objectDefaults>
+    <a:lnDef>
+      <a:spPr/>
+      <a:bodyPr/>
+      <a:lstStyle/>
+      <a:style>
+        <a:lnRef idx="2">
+          <a:schemeClr val="accent1"/>
+        </a:lnRef>
+        <a:fillRef idx="0">
+          <a:schemeClr val="accent1"/>
+        </a:fillRef>
+        <a:effectRef idx="1">
+          <a:schemeClr val="accent1"/>
+        </a:effectRef>
+        <a:fontRef idx="minor">
+          <a:schemeClr val="tx1"/>
+        </a:fontRef>
+      </a:style>
+    </a:lnDef>
+  </a:objectDefaults>
+  <a:extraClrSchemeLst/>
+  <a:extLst>
+    <a:ext uri="{05A4C25C-085E-4340-85A3-A5531E510DB2}">
+      <thm15:themeFamily xmlns:thm15="http://schemas.microsoft.com/office/thememl/2012/main" name="Office Theme" id="{2E142A2C-CD16-42D6-873A-C26D2A0506FA}" vid="{1BDDFF52-6CD6-40A5-AB3C-68EB2F1E4D0A}"/>
+    </a:ext>
+  </a:extLst>
+</a:theme>
 </file>